--- a/pptx_res/Создание материалов.pptx
+++ b/pptx_res/Создание материалов.pptx
@@ -2,7 +2,7 @@
 <file path=ppt/presentation.xml><?xml version="1.0" encoding="utf-8"?>
 <p:presentation xmlns:a="http://schemas.openxmlformats.org/drawingml/2006/main" xmlns:r="http://schemas.openxmlformats.org/officeDocument/2006/relationships" xmlns:p="http://schemas.openxmlformats.org/presentationml/2006/main" showSpecialPlsOnTitleSld="0" saveSubsetFonts="1">
   <p:sldMasterIdLst>
-    <p:sldMasterId id="2147483660" r:id="rId1"/>
+    <p:sldMasterId id="2147483673" r:id="rId1"/>
   </p:sldMasterIdLst>
   <p:notesMasterIdLst>
     <p:notesMasterId r:id="rId17"/>
@@ -211,7 +211,7 @@
           <a:p>
             <a:fld id="{744F8444-8267-4F51-9DA2-2988A66E3A4F}" type="datetimeFigureOut">
               <a:rPr lang="ru-RU" smtClean="0"/>
-              <a:t>01.06.2017</a:t>
+              <a:t>21.07.2017</a:t>
             </a:fld>
             <a:endParaRPr lang="ru-RU"/>
           </a:p>
@@ -496,30 +496,6 @@
           <a:chExt cx="0" cy="0"/>
         </a:xfrm>
       </p:grpSpPr>
-      <p:pic>
-        <p:nvPicPr>
-          <p:cNvPr id="11" name="Рисунок 10"/>
-          <p:cNvPicPr>
-            <a:picLocks noChangeAspect="1"/>
-          </p:cNvPicPr>
-          <p:nvPr userDrawn="1"/>
-        </p:nvPicPr>
-        <p:blipFill>
-          <a:blip r:embed="rId2"/>
-          <a:stretch>
-            <a:fillRect/>
-          </a:stretch>
-        </p:blipFill>
-        <p:spPr>
-          <a:xfrm>
-            <a:off x="8639175" y="142875"/>
-            <a:ext cx="3413506" cy="3390900"/>
-          </a:xfrm>
-          <a:prstGeom prst="rect">
-            <a:avLst/>
-          </a:prstGeom>
-        </p:spPr>
-      </p:pic>
       <p:sp>
         <p:nvSpPr>
           <p:cNvPr id="7" name="Rectangle 6"/>
@@ -729,7 +705,1224 @@
           <a:p>
             <a:fld id="{3C78A6F8-6E4F-4010-B27B-21CDF6F4DEF2}" type="datetime1">
               <a:rPr lang="ru-RU" smtClean="0"/>
-              <a:t>01.06.2017</a:t>
+              <a:t>21.07.2017</a:t>
+            </a:fld>
+            <a:endParaRPr lang="ru-RU"/>
+          </a:p>
+        </p:txBody>
+      </p:sp>
+      <p:sp>
+        <p:nvSpPr>
+          <p:cNvPr id="5" name="Footer Placeholder 4"/>
+          <p:cNvSpPr>
+            <a:spLocks noGrp="1"/>
+          </p:cNvSpPr>
+          <p:nvPr>
+            <p:ph type="ftr" sz="quarter" idx="11"/>
+          </p:nvPr>
+        </p:nvSpPr>
+        <p:spPr/>
+        <p:txBody>
+          <a:bodyPr/>
+          <a:lstStyle/>
+          <a:p>
+            <a:r>
+              <a:rPr lang="ru-RU" smtClean="0"/>
+              <a:t>Кафедра 24. "Компьютерный практикум по прикладной ядерной физике: Geant4"</a:t>
+            </a:r>
+            <a:endParaRPr lang="ru-RU"/>
+          </a:p>
+        </p:txBody>
+      </p:sp>
+      <p:sp>
+        <p:nvSpPr>
+          <p:cNvPr id="6" name="Slide Number Placeholder 5"/>
+          <p:cNvSpPr>
+            <a:spLocks noGrp="1"/>
+          </p:cNvSpPr>
+          <p:nvPr>
+            <p:ph type="sldNum" sz="quarter" idx="12"/>
+          </p:nvPr>
+        </p:nvSpPr>
+        <p:spPr/>
+        <p:txBody>
+          <a:bodyPr/>
+          <a:lstStyle/>
+          <a:p>
+            <a:fld id="{5EEF3390-9182-4B10-BF7D-BB7D61E9A6A1}" type="slidenum">
+              <a:rPr lang="ru-RU" smtClean="0"/>
+              <a:t>‹#›</a:t>
+            </a:fld>
+            <a:endParaRPr lang="ru-RU"/>
+          </a:p>
+        </p:txBody>
+      </p:sp>
+      <p:cxnSp>
+        <p:nvCxnSpPr>
+          <p:cNvPr id="9" name="Straight Connector 8"/>
+          <p:cNvCxnSpPr/>
+          <p:nvPr/>
+        </p:nvCxnSpPr>
+        <p:spPr>
+          <a:xfrm>
+            <a:off x="1207659" y="4343400"/>
+            <a:ext cx="9875520" cy="0"/>
+          </a:xfrm>
+          <a:prstGeom prst="line">
+            <a:avLst/>
+          </a:prstGeom>
+          <a:ln w="6350">
+            <a:solidFill>
+              <a:schemeClr val="tx1">
+                <a:lumMod val="50000"/>
+                <a:lumOff val="50000"/>
+              </a:schemeClr>
+            </a:solidFill>
+          </a:ln>
+        </p:spPr>
+        <p:style>
+          <a:lnRef idx="1">
+            <a:schemeClr val="accent1"/>
+          </a:lnRef>
+          <a:fillRef idx="0">
+            <a:schemeClr val="accent1"/>
+          </a:fillRef>
+          <a:effectRef idx="0">
+            <a:schemeClr val="accent1"/>
+          </a:effectRef>
+          <a:fontRef idx="minor">
+            <a:schemeClr val="tx1"/>
+          </a:fontRef>
+        </p:style>
+      </p:cxnSp>
+      <p:pic>
+        <p:nvPicPr>
+          <p:cNvPr id="16" name="Рисунок 15"/>
+          <p:cNvPicPr>
+            <a:picLocks noChangeAspect="1"/>
+          </p:cNvPicPr>
+          <p:nvPr/>
+        </p:nvPicPr>
+        <p:blipFill>
+          <a:blip r:embed="rId2" cstate="print">
+            <a:extLst>
+              <a:ext uri="{28A0092B-C50C-407E-A947-70E740481C1C}">
+                <a14:useLocalDpi xmlns:a14="http://schemas.microsoft.com/office/drawing/2010/main" val="0"/>
+              </a:ext>
+            </a:extLst>
+          </a:blip>
+          <a:stretch>
+            <a:fillRect/>
+          </a:stretch>
+        </p:blipFill>
+        <p:spPr>
+          <a:xfrm>
+            <a:off x="8659123" y="123842"/>
+            <a:ext cx="3529720" cy="3596084"/>
+          </a:xfrm>
+          <a:prstGeom prst="rect">
+            <a:avLst/>
+          </a:prstGeom>
+        </p:spPr>
+      </p:pic>
+    </p:spTree>
+    <p:extLst>
+      <p:ext uri="{BB962C8B-B14F-4D97-AF65-F5344CB8AC3E}">
+        <p14:creationId xmlns:p14="http://schemas.microsoft.com/office/powerpoint/2010/main" val="115343977"/>
+      </p:ext>
+    </p:extLst>
+  </p:cSld>
+  <p:clrMapOvr>
+    <a:masterClrMapping/>
+  </p:clrMapOvr>
+</p:sldLayout>
+</file>
+
+<file path=ppt/slideLayouts/slideLayout10.xml><?xml version="1.0" encoding="utf-8"?>
+<p:sldLayout xmlns:a="http://schemas.openxmlformats.org/drawingml/2006/main" xmlns:r="http://schemas.openxmlformats.org/officeDocument/2006/relationships" xmlns:p="http://schemas.openxmlformats.org/presentationml/2006/main" type="vertTx" preserve="1">
+  <p:cSld name="Заголовок и вертикальный текст">
+    <p:spTree>
+      <p:nvGrpSpPr>
+        <p:cNvPr id="1" name=""/>
+        <p:cNvGrpSpPr/>
+        <p:nvPr/>
+      </p:nvGrpSpPr>
+      <p:grpSpPr>
+        <a:xfrm>
+          <a:off x="0" y="0"/>
+          <a:ext cx="0" cy="0"/>
+          <a:chOff x="0" y="0"/>
+          <a:chExt cx="0" cy="0"/>
+        </a:xfrm>
+      </p:grpSpPr>
+      <p:sp>
+        <p:nvSpPr>
+          <p:cNvPr id="2" name="Title 1"/>
+          <p:cNvSpPr>
+            <a:spLocks noGrp="1"/>
+          </p:cNvSpPr>
+          <p:nvPr>
+            <p:ph type="title"/>
+          </p:nvPr>
+        </p:nvSpPr>
+        <p:spPr/>
+        <p:txBody>
+          <a:bodyPr/>
+          <a:lstStyle/>
+          <a:p>
+            <a:r>
+              <a:rPr lang="ru-RU" smtClean="0"/>
+              <a:t>Образец заголовка</a:t>
+            </a:r>
+            <a:endParaRPr lang="en-US" dirty="0"/>
+          </a:p>
+        </p:txBody>
+      </p:sp>
+      <p:sp>
+        <p:nvSpPr>
+          <p:cNvPr id="3" name="Vertical Text Placeholder 2"/>
+          <p:cNvSpPr>
+            <a:spLocks noGrp="1"/>
+          </p:cNvSpPr>
+          <p:nvPr>
+            <p:ph type="body" orient="vert" idx="1"/>
+          </p:nvPr>
+        </p:nvSpPr>
+        <p:spPr/>
+        <p:txBody>
+          <a:bodyPr vert="eaVert" lIns="45720" tIns="0" rIns="45720" bIns="0"/>
+          <a:lstStyle/>
+          <a:p>
+            <a:pPr lvl="0"/>
+            <a:r>
+              <a:rPr lang="ru-RU" smtClean="0"/>
+              <a:t>Образец текста</a:t>
+            </a:r>
+          </a:p>
+          <a:p>
+            <a:pPr lvl="1"/>
+            <a:r>
+              <a:rPr lang="ru-RU" smtClean="0"/>
+              <a:t>Второй уровень</a:t>
+            </a:r>
+          </a:p>
+          <a:p>
+            <a:pPr lvl="2"/>
+            <a:r>
+              <a:rPr lang="ru-RU" smtClean="0"/>
+              <a:t>Третий уровень</a:t>
+            </a:r>
+          </a:p>
+          <a:p>
+            <a:pPr lvl="3"/>
+            <a:r>
+              <a:rPr lang="ru-RU" smtClean="0"/>
+              <a:t>Четвертый уровень</a:t>
+            </a:r>
+          </a:p>
+          <a:p>
+            <a:pPr lvl="4"/>
+            <a:r>
+              <a:rPr lang="ru-RU" smtClean="0"/>
+              <a:t>Пятый уровень</a:t>
+            </a:r>
+            <a:endParaRPr lang="en-US" dirty="0"/>
+          </a:p>
+        </p:txBody>
+      </p:sp>
+      <p:sp>
+        <p:nvSpPr>
+          <p:cNvPr id="4" name="Date Placeholder 3"/>
+          <p:cNvSpPr>
+            <a:spLocks noGrp="1"/>
+          </p:cNvSpPr>
+          <p:nvPr>
+            <p:ph type="dt" sz="half" idx="10"/>
+          </p:nvPr>
+        </p:nvSpPr>
+        <p:spPr/>
+        <p:txBody>
+          <a:bodyPr/>
+          <a:lstStyle/>
+          <a:p>
+            <a:fld id="{7DA35312-E8CB-46A6-ADFF-903FF5D4AA3F}" type="datetime1">
+              <a:rPr lang="ru-RU" smtClean="0"/>
+              <a:t>21.07.2017</a:t>
+            </a:fld>
+            <a:endParaRPr lang="ru-RU"/>
+          </a:p>
+        </p:txBody>
+      </p:sp>
+      <p:sp>
+        <p:nvSpPr>
+          <p:cNvPr id="5" name="Footer Placeholder 4"/>
+          <p:cNvSpPr>
+            <a:spLocks noGrp="1"/>
+          </p:cNvSpPr>
+          <p:nvPr>
+            <p:ph type="ftr" sz="quarter" idx="11"/>
+          </p:nvPr>
+        </p:nvSpPr>
+        <p:spPr/>
+        <p:txBody>
+          <a:bodyPr/>
+          <a:lstStyle/>
+          <a:p>
+            <a:r>
+              <a:rPr lang="ru-RU" smtClean="0"/>
+              <a:t>Кафедра 24. "Компьютерный практикум по прикладной ядерной физике: Geant4"</a:t>
+            </a:r>
+            <a:endParaRPr lang="ru-RU"/>
+          </a:p>
+        </p:txBody>
+      </p:sp>
+      <p:sp>
+        <p:nvSpPr>
+          <p:cNvPr id="6" name="Slide Number Placeholder 5"/>
+          <p:cNvSpPr>
+            <a:spLocks noGrp="1"/>
+          </p:cNvSpPr>
+          <p:nvPr>
+            <p:ph type="sldNum" sz="quarter" idx="12"/>
+          </p:nvPr>
+        </p:nvSpPr>
+        <p:spPr/>
+        <p:txBody>
+          <a:bodyPr/>
+          <a:lstStyle/>
+          <a:p>
+            <a:fld id="{5EEF3390-9182-4B10-BF7D-BB7D61E9A6A1}" type="slidenum">
+              <a:rPr lang="ru-RU" smtClean="0"/>
+              <a:t>‹#›</a:t>
+            </a:fld>
+            <a:endParaRPr lang="ru-RU"/>
+          </a:p>
+        </p:txBody>
+      </p:sp>
+    </p:spTree>
+    <p:extLst>
+      <p:ext uri="{BB962C8B-B14F-4D97-AF65-F5344CB8AC3E}">
+        <p14:creationId xmlns:p14="http://schemas.microsoft.com/office/powerpoint/2010/main" val="1413147035"/>
+      </p:ext>
+    </p:extLst>
+  </p:cSld>
+  <p:clrMapOvr>
+    <a:masterClrMapping/>
+  </p:clrMapOvr>
+</p:sldLayout>
+</file>
+
+<file path=ppt/slideLayouts/slideLayout11.xml><?xml version="1.0" encoding="utf-8"?>
+<p:sldLayout xmlns:a="http://schemas.openxmlformats.org/drawingml/2006/main" xmlns:r="http://schemas.openxmlformats.org/officeDocument/2006/relationships" xmlns:p="http://schemas.openxmlformats.org/presentationml/2006/main" showMasterSp="0" type="vertTitleAndTx" preserve="1">
+  <p:cSld name="Вертикальный заголовок и текст">
+    <p:spTree>
+      <p:nvGrpSpPr>
+        <p:cNvPr id="1" name=""/>
+        <p:cNvGrpSpPr/>
+        <p:nvPr/>
+      </p:nvGrpSpPr>
+      <p:grpSpPr>
+        <a:xfrm>
+          <a:off x="0" y="0"/>
+          <a:ext cx="0" cy="0"/>
+          <a:chOff x="0" y="0"/>
+          <a:chExt cx="0" cy="0"/>
+        </a:xfrm>
+      </p:grpSpPr>
+      <p:sp>
+        <p:nvSpPr>
+          <p:cNvPr id="7" name="Rectangle 6"/>
+          <p:cNvSpPr/>
+          <p:nvPr/>
+        </p:nvSpPr>
+        <p:spPr>
+          <a:xfrm>
+            <a:off x="3177" y="6400800"/>
+            <a:ext cx="12188825" cy="457200"/>
+          </a:xfrm>
+          <a:prstGeom prst="rect">
+            <a:avLst/>
+          </a:prstGeom>
+          <a:solidFill>
+            <a:schemeClr val="accent2"/>
+          </a:solidFill>
+          <a:ln>
+            <a:noFill/>
+          </a:ln>
+        </p:spPr>
+        <p:style>
+          <a:lnRef idx="2">
+            <a:schemeClr val="accent1">
+              <a:shade val="50000"/>
+            </a:schemeClr>
+          </a:lnRef>
+          <a:fillRef idx="1">
+            <a:schemeClr val="accent1"/>
+          </a:fillRef>
+          <a:effectRef idx="0">
+            <a:schemeClr val="accent1"/>
+          </a:effectRef>
+          <a:fontRef idx="minor">
+            <a:schemeClr val="lt1"/>
+          </a:fontRef>
+        </p:style>
+      </p:sp>
+      <p:sp>
+        <p:nvSpPr>
+          <p:cNvPr id="8" name="Rectangle 7"/>
+          <p:cNvSpPr/>
+          <p:nvPr/>
+        </p:nvSpPr>
+        <p:spPr>
+          <a:xfrm>
+            <a:off x="17" y="6334316"/>
+            <a:ext cx="12188825" cy="64008"/>
+          </a:xfrm>
+          <a:prstGeom prst="rect">
+            <a:avLst/>
+          </a:prstGeom>
+          <a:solidFill>
+            <a:schemeClr val="accent1"/>
+          </a:solidFill>
+          <a:ln>
+            <a:noFill/>
+          </a:ln>
+        </p:spPr>
+        <p:style>
+          <a:lnRef idx="2">
+            <a:schemeClr val="accent1">
+              <a:shade val="50000"/>
+            </a:schemeClr>
+          </a:lnRef>
+          <a:fillRef idx="1">
+            <a:schemeClr val="accent1"/>
+          </a:fillRef>
+          <a:effectRef idx="0">
+            <a:schemeClr val="accent1"/>
+          </a:effectRef>
+          <a:fontRef idx="minor">
+            <a:schemeClr val="lt1"/>
+          </a:fontRef>
+        </p:style>
+      </p:sp>
+      <p:sp>
+        <p:nvSpPr>
+          <p:cNvPr id="2" name="Vertical Title 1"/>
+          <p:cNvSpPr>
+            <a:spLocks noGrp="1"/>
+          </p:cNvSpPr>
+          <p:nvPr>
+            <p:ph type="title" orient="vert"/>
+          </p:nvPr>
+        </p:nvSpPr>
+        <p:spPr>
+          <a:xfrm>
+            <a:off x="8724902" y="412303"/>
+            <a:ext cx="2628900" cy="5759898"/>
+          </a:xfrm>
+        </p:spPr>
+        <p:txBody>
+          <a:bodyPr vert="eaVert"/>
+          <a:lstStyle/>
+          <a:p>
+            <a:r>
+              <a:rPr lang="ru-RU" smtClean="0"/>
+              <a:t>Образец заголовка</a:t>
+            </a:r>
+            <a:endParaRPr lang="en-US" dirty="0"/>
+          </a:p>
+        </p:txBody>
+      </p:sp>
+      <p:sp>
+        <p:nvSpPr>
+          <p:cNvPr id="3" name="Vertical Text Placeholder 2"/>
+          <p:cNvSpPr>
+            <a:spLocks noGrp="1"/>
+          </p:cNvSpPr>
+          <p:nvPr>
+            <p:ph type="body" orient="vert" idx="1"/>
+          </p:nvPr>
+        </p:nvSpPr>
+        <p:spPr>
+          <a:xfrm>
+            <a:off x="838201" y="412303"/>
+            <a:ext cx="7734299" cy="5759898"/>
+          </a:xfrm>
+        </p:spPr>
+        <p:txBody>
+          <a:bodyPr vert="eaVert" lIns="45720" tIns="0" rIns="45720" bIns="0"/>
+          <a:lstStyle/>
+          <a:p>
+            <a:pPr lvl="0"/>
+            <a:r>
+              <a:rPr lang="ru-RU" smtClean="0"/>
+              <a:t>Образец текста</a:t>
+            </a:r>
+          </a:p>
+          <a:p>
+            <a:pPr lvl="1"/>
+            <a:r>
+              <a:rPr lang="ru-RU" smtClean="0"/>
+              <a:t>Второй уровень</a:t>
+            </a:r>
+          </a:p>
+          <a:p>
+            <a:pPr lvl="2"/>
+            <a:r>
+              <a:rPr lang="ru-RU" smtClean="0"/>
+              <a:t>Третий уровень</a:t>
+            </a:r>
+          </a:p>
+          <a:p>
+            <a:pPr lvl="3"/>
+            <a:r>
+              <a:rPr lang="ru-RU" smtClean="0"/>
+              <a:t>Четвертый уровень</a:t>
+            </a:r>
+          </a:p>
+          <a:p>
+            <a:pPr lvl="4"/>
+            <a:r>
+              <a:rPr lang="ru-RU" smtClean="0"/>
+              <a:t>Пятый уровень</a:t>
+            </a:r>
+            <a:endParaRPr lang="en-US" dirty="0"/>
+          </a:p>
+        </p:txBody>
+      </p:sp>
+      <p:sp>
+        <p:nvSpPr>
+          <p:cNvPr id="4" name="Date Placeholder 3"/>
+          <p:cNvSpPr>
+            <a:spLocks noGrp="1"/>
+          </p:cNvSpPr>
+          <p:nvPr>
+            <p:ph type="dt" sz="half" idx="10"/>
+          </p:nvPr>
+        </p:nvSpPr>
+        <p:spPr/>
+        <p:txBody>
+          <a:bodyPr/>
+          <a:lstStyle/>
+          <a:p>
+            <a:fld id="{8DDD104D-6885-446A-99B8-3A2698A667EF}" type="datetime1">
+              <a:rPr lang="ru-RU" smtClean="0"/>
+              <a:t>21.07.2017</a:t>
+            </a:fld>
+            <a:endParaRPr lang="ru-RU"/>
+          </a:p>
+        </p:txBody>
+      </p:sp>
+      <p:sp>
+        <p:nvSpPr>
+          <p:cNvPr id="5" name="Footer Placeholder 4"/>
+          <p:cNvSpPr>
+            <a:spLocks noGrp="1"/>
+          </p:cNvSpPr>
+          <p:nvPr>
+            <p:ph type="ftr" sz="quarter" idx="11"/>
+          </p:nvPr>
+        </p:nvSpPr>
+        <p:spPr/>
+        <p:txBody>
+          <a:bodyPr/>
+          <a:lstStyle/>
+          <a:p>
+            <a:r>
+              <a:rPr lang="ru-RU" smtClean="0"/>
+              <a:t>Кафедра 24. "Компьютерный практикум по прикладной ядерной физике: Geant4"</a:t>
+            </a:r>
+            <a:endParaRPr lang="ru-RU"/>
+          </a:p>
+        </p:txBody>
+      </p:sp>
+      <p:sp>
+        <p:nvSpPr>
+          <p:cNvPr id="6" name="Slide Number Placeholder 5"/>
+          <p:cNvSpPr>
+            <a:spLocks noGrp="1"/>
+          </p:cNvSpPr>
+          <p:nvPr>
+            <p:ph type="sldNum" sz="quarter" idx="12"/>
+          </p:nvPr>
+        </p:nvSpPr>
+        <p:spPr/>
+        <p:txBody>
+          <a:bodyPr/>
+          <a:lstStyle/>
+          <a:p>
+            <a:fld id="{5EEF3390-9182-4B10-BF7D-BB7D61E9A6A1}" type="slidenum">
+              <a:rPr lang="ru-RU" smtClean="0"/>
+              <a:t>‹#›</a:t>
+            </a:fld>
+            <a:endParaRPr lang="ru-RU"/>
+          </a:p>
+        </p:txBody>
+      </p:sp>
+    </p:spTree>
+    <p:extLst>
+      <p:ext uri="{BB962C8B-B14F-4D97-AF65-F5344CB8AC3E}">
+        <p14:creationId xmlns:p14="http://schemas.microsoft.com/office/powerpoint/2010/main" val="369461399"/>
+      </p:ext>
+    </p:extLst>
+  </p:cSld>
+  <p:clrMapOvr>
+    <a:masterClrMapping/>
+  </p:clrMapOvr>
+</p:sldLayout>
+</file>
+
+<file path=ppt/slideLayouts/slideLayout12.xml><?xml version="1.0" encoding="utf-8"?>
+<p:sldLayout xmlns:a="http://schemas.openxmlformats.org/drawingml/2006/main" xmlns:r="http://schemas.openxmlformats.org/officeDocument/2006/relationships" xmlns:p="http://schemas.openxmlformats.org/presentationml/2006/main" type="tx">
+  <p:cSld name="1_Титульный слайд">
+    <p:spTree>
+      <p:nvGrpSpPr>
+        <p:cNvPr id="1" name=""/>
+        <p:cNvGrpSpPr/>
+        <p:nvPr/>
+      </p:nvGrpSpPr>
+      <p:grpSpPr>
+        <a:xfrm>
+          <a:off x="0" y="0"/>
+          <a:ext cx="0" cy="0"/>
+          <a:chOff x="0" y="0"/>
+          <a:chExt cx="0" cy="0"/>
+        </a:xfrm>
+      </p:grpSpPr>
+      <p:sp>
+        <p:nvSpPr>
+          <p:cNvPr id="5" name="PlaceHolder 1"/>
+          <p:cNvSpPr>
+            <a:spLocks noGrp="1"/>
+          </p:cNvSpPr>
+          <p:nvPr>
+            <p:ph type="title"/>
+          </p:nvPr>
+        </p:nvSpPr>
+        <p:spPr>
+          <a:xfrm>
+            <a:off x="609562" y="273352"/>
+            <a:ext cx="10971684" cy="1145009"/>
+          </a:xfrm>
+          <a:prstGeom prst="rect">
+            <a:avLst/>
+          </a:prstGeom>
+        </p:spPr>
+        <p:txBody>
+          <a:bodyPr lIns="0" tIns="0" rIns="0" bIns="0" anchor="ctr"/>
+          <a:lstStyle/>
+          <a:p>
+            <a:pPr algn="ctr"/>
+            <a:r>
+              <a:rPr lang="ru-RU" sz="3992" b="0" strike="noStrike" spc="-1" smtClean="0">
+                <a:solidFill>
+                  <a:srgbClr val="000000"/>
+                </a:solidFill>
+                <a:uFill>
+                  <a:solidFill>
+                    <a:srgbClr val="FFFFFF"/>
+                  </a:solidFill>
+                </a:uFill>
+                <a:latin typeface="Arial"/>
+              </a:rPr>
+              <a:t>Образец заголовка</a:t>
+            </a:r>
+            <a:endParaRPr lang="ru-RU" sz="3992" b="0" strike="noStrike" spc="-1">
+              <a:solidFill>
+                <a:srgbClr val="000000"/>
+              </a:solidFill>
+              <a:uFill>
+                <a:solidFill>
+                  <a:srgbClr val="FFFFFF"/>
+                </a:solidFill>
+              </a:uFill>
+              <a:latin typeface="Arial"/>
+            </a:endParaRPr>
+          </a:p>
+        </p:txBody>
+      </p:sp>
+      <p:sp>
+        <p:nvSpPr>
+          <p:cNvPr id="6" name="PlaceHolder 2"/>
+          <p:cNvSpPr>
+            <a:spLocks noGrp="1"/>
+          </p:cNvSpPr>
+          <p:nvPr>
+            <p:ph type="subTitle"/>
+          </p:nvPr>
+        </p:nvSpPr>
+        <p:spPr>
+          <a:xfrm>
+            <a:off x="609562" y="1604841"/>
+            <a:ext cx="10971684" cy="3977484"/>
+          </a:xfrm>
+          <a:prstGeom prst="rect">
+            <a:avLst/>
+          </a:prstGeom>
+        </p:spPr>
+        <p:txBody>
+          <a:bodyPr lIns="0" tIns="0" rIns="0" bIns="0" anchor="ctr"/>
+          <a:lstStyle/>
+          <a:p>
+            <a:pPr algn="ctr"/>
+            <a:r>
+              <a:rPr lang="ru-RU" sz="2903" b="0" strike="noStrike" spc="-1" smtClean="0">
+                <a:solidFill>
+                  <a:srgbClr val="000000"/>
+                </a:solidFill>
+                <a:uFill>
+                  <a:solidFill>
+                    <a:srgbClr val="FFFFFF"/>
+                  </a:solidFill>
+                </a:uFill>
+                <a:latin typeface="Arial"/>
+              </a:rPr>
+              <a:t>Образец подзаголовка</a:t>
+            </a:r>
+            <a:endParaRPr lang="ru-RU" sz="2903" b="0" strike="noStrike" spc="-1">
+              <a:solidFill>
+                <a:srgbClr val="000000"/>
+              </a:solidFill>
+              <a:uFill>
+                <a:solidFill>
+                  <a:srgbClr val="FFFFFF"/>
+                </a:solidFill>
+              </a:uFill>
+              <a:latin typeface="Arial"/>
+            </a:endParaRPr>
+          </a:p>
+        </p:txBody>
+      </p:sp>
+    </p:spTree>
+    <p:extLst>
+      <p:ext uri="{BB962C8B-B14F-4D97-AF65-F5344CB8AC3E}">
+        <p14:creationId xmlns:p14="http://schemas.microsoft.com/office/powerpoint/2010/main" val="361088968"/>
+      </p:ext>
+    </p:extLst>
+  </p:cSld>
+  <p:clrMapOvr>
+    <a:masterClrMapping/>
+  </p:clrMapOvr>
+</p:sldLayout>
+</file>
+
+<file path=ppt/slideLayouts/slideLayout2.xml><?xml version="1.0" encoding="utf-8"?>
+<p:sldLayout xmlns:a="http://schemas.openxmlformats.org/drawingml/2006/main" xmlns:r="http://schemas.openxmlformats.org/officeDocument/2006/relationships" xmlns:p="http://schemas.openxmlformats.org/presentationml/2006/main" type="obj" preserve="1">
+  <p:cSld name="Заголовок и объект">
+    <p:spTree>
+      <p:nvGrpSpPr>
+        <p:cNvPr id="1" name=""/>
+        <p:cNvGrpSpPr/>
+        <p:nvPr/>
+      </p:nvGrpSpPr>
+      <p:grpSpPr>
+        <a:xfrm>
+          <a:off x="0" y="0"/>
+          <a:ext cx="0" cy="0"/>
+          <a:chOff x="0" y="0"/>
+          <a:chExt cx="0" cy="0"/>
+        </a:xfrm>
+      </p:grpSpPr>
+      <p:sp>
+        <p:nvSpPr>
+          <p:cNvPr id="2" name="Title 1"/>
+          <p:cNvSpPr>
+            <a:spLocks noGrp="1"/>
+          </p:cNvSpPr>
+          <p:nvPr>
+            <p:ph type="title"/>
+          </p:nvPr>
+        </p:nvSpPr>
+        <p:spPr/>
+        <p:txBody>
+          <a:bodyPr/>
+          <a:lstStyle/>
+          <a:p>
+            <a:r>
+              <a:rPr lang="ru-RU" smtClean="0"/>
+              <a:t>Образец заголовка</a:t>
+            </a:r>
+            <a:endParaRPr lang="en-US" dirty="0"/>
+          </a:p>
+        </p:txBody>
+      </p:sp>
+      <p:sp>
+        <p:nvSpPr>
+          <p:cNvPr id="3" name="Content Placeholder 2"/>
+          <p:cNvSpPr>
+            <a:spLocks noGrp="1"/>
+          </p:cNvSpPr>
+          <p:nvPr>
+            <p:ph idx="1"/>
+          </p:nvPr>
+        </p:nvSpPr>
+        <p:spPr/>
+        <p:txBody>
+          <a:bodyPr/>
+          <a:lstStyle/>
+          <a:p>
+            <a:pPr lvl="0"/>
+            <a:r>
+              <a:rPr lang="ru-RU" smtClean="0"/>
+              <a:t>Образец текста</a:t>
+            </a:r>
+          </a:p>
+          <a:p>
+            <a:pPr lvl="1"/>
+            <a:r>
+              <a:rPr lang="ru-RU" smtClean="0"/>
+              <a:t>Второй уровень</a:t>
+            </a:r>
+          </a:p>
+          <a:p>
+            <a:pPr lvl="2"/>
+            <a:r>
+              <a:rPr lang="ru-RU" smtClean="0"/>
+              <a:t>Третий уровень</a:t>
+            </a:r>
+          </a:p>
+          <a:p>
+            <a:pPr lvl="3"/>
+            <a:r>
+              <a:rPr lang="ru-RU" smtClean="0"/>
+              <a:t>Четвертый уровень</a:t>
+            </a:r>
+          </a:p>
+          <a:p>
+            <a:pPr lvl="4"/>
+            <a:r>
+              <a:rPr lang="ru-RU" smtClean="0"/>
+              <a:t>Пятый уровень</a:t>
+            </a:r>
+            <a:endParaRPr lang="en-US" dirty="0"/>
+          </a:p>
+        </p:txBody>
+      </p:sp>
+      <p:sp>
+        <p:nvSpPr>
+          <p:cNvPr id="4" name="Date Placeholder 3"/>
+          <p:cNvSpPr>
+            <a:spLocks noGrp="1"/>
+          </p:cNvSpPr>
+          <p:nvPr>
+            <p:ph type="dt" sz="half" idx="10"/>
+          </p:nvPr>
+        </p:nvSpPr>
+        <p:spPr/>
+        <p:txBody>
+          <a:bodyPr/>
+          <a:lstStyle/>
+          <a:p>
+            <a:fld id="{7FA86688-A51F-40E3-822E-9C0247AB124A}" type="datetime1">
+              <a:rPr lang="ru-RU" smtClean="0"/>
+              <a:t>21.07.2017</a:t>
+            </a:fld>
+            <a:endParaRPr lang="ru-RU"/>
+          </a:p>
+        </p:txBody>
+      </p:sp>
+      <p:sp>
+        <p:nvSpPr>
+          <p:cNvPr id="5" name="Footer Placeholder 4"/>
+          <p:cNvSpPr>
+            <a:spLocks noGrp="1"/>
+          </p:cNvSpPr>
+          <p:nvPr>
+            <p:ph type="ftr" sz="quarter" idx="11"/>
+          </p:nvPr>
+        </p:nvSpPr>
+        <p:spPr/>
+        <p:txBody>
+          <a:bodyPr/>
+          <a:lstStyle/>
+          <a:p>
+            <a:r>
+              <a:rPr lang="ru-RU" smtClean="0"/>
+              <a:t>Кафедра 24. "Компьютерный практикум по прикладной ядерной физике: Geant4"</a:t>
+            </a:r>
+            <a:endParaRPr lang="ru-RU"/>
+          </a:p>
+        </p:txBody>
+      </p:sp>
+      <p:sp>
+        <p:nvSpPr>
+          <p:cNvPr id="6" name="Slide Number Placeholder 5"/>
+          <p:cNvSpPr>
+            <a:spLocks noGrp="1"/>
+          </p:cNvSpPr>
+          <p:nvPr>
+            <p:ph type="sldNum" sz="quarter" idx="12"/>
+          </p:nvPr>
+        </p:nvSpPr>
+        <p:spPr/>
+        <p:txBody>
+          <a:bodyPr/>
+          <a:lstStyle/>
+          <a:p>
+            <a:fld id="{5EEF3390-9182-4B10-BF7D-BB7D61E9A6A1}" type="slidenum">
+              <a:rPr lang="ru-RU" smtClean="0"/>
+              <a:t>‹#›</a:t>
+            </a:fld>
+            <a:endParaRPr lang="ru-RU"/>
+          </a:p>
+        </p:txBody>
+      </p:sp>
+      <p:cxnSp>
+        <p:nvCxnSpPr>
+          <p:cNvPr id="9" name="Прямая соединительная линия 8"/>
+          <p:cNvCxnSpPr/>
+          <p:nvPr/>
+        </p:nvCxnSpPr>
+        <p:spPr>
+          <a:xfrm>
+            <a:off x="1200150" y="1737362"/>
+            <a:ext cx="9853613" cy="0"/>
+          </a:xfrm>
+          <a:prstGeom prst="line">
+            <a:avLst/>
+          </a:prstGeom>
+        </p:spPr>
+        <p:style>
+          <a:lnRef idx="1">
+            <a:schemeClr val="dk1"/>
+          </a:lnRef>
+          <a:fillRef idx="0">
+            <a:schemeClr val="dk1"/>
+          </a:fillRef>
+          <a:effectRef idx="0">
+            <a:schemeClr val="dk1"/>
+          </a:effectRef>
+          <a:fontRef idx="minor">
+            <a:schemeClr val="tx1"/>
+          </a:fontRef>
+        </p:style>
+      </p:cxnSp>
+      <p:cxnSp>
+        <p:nvCxnSpPr>
+          <p:cNvPr id="8" name="Прямая соединительная линия 7"/>
+          <p:cNvCxnSpPr/>
+          <p:nvPr userDrawn="1"/>
+        </p:nvCxnSpPr>
+        <p:spPr>
+          <a:xfrm>
+            <a:off x="1200150" y="1737362"/>
+            <a:ext cx="9853613" cy="0"/>
+          </a:xfrm>
+          <a:prstGeom prst="line">
+            <a:avLst/>
+          </a:prstGeom>
+        </p:spPr>
+        <p:style>
+          <a:lnRef idx="1">
+            <a:schemeClr val="dk1"/>
+          </a:lnRef>
+          <a:fillRef idx="0">
+            <a:schemeClr val="dk1"/>
+          </a:fillRef>
+          <a:effectRef idx="0">
+            <a:schemeClr val="dk1"/>
+          </a:effectRef>
+          <a:fontRef idx="minor">
+            <a:schemeClr val="tx1"/>
+          </a:fontRef>
+        </p:style>
+      </p:cxnSp>
+    </p:spTree>
+    <p:extLst>
+      <p:ext uri="{BB962C8B-B14F-4D97-AF65-F5344CB8AC3E}">
+        <p14:creationId xmlns:p14="http://schemas.microsoft.com/office/powerpoint/2010/main" val="506534836"/>
+      </p:ext>
+    </p:extLst>
+  </p:cSld>
+  <p:clrMapOvr>
+    <a:masterClrMapping/>
+  </p:clrMapOvr>
+</p:sldLayout>
+</file>
+
+<file path=ppt/slideLayouts/slideLayout3.xml><?xml version="1.0" encoding="utf-8"?>
+<p:sldLayout xmlns:a="http://schemas.openxmlformats.org/drawingml/2006/main" xmlns:r="http://schemas.openxmlformats.org/officeDocument/2006/relationships" xmlns:p="http://schemas.openxmlformats.org/presentationml/2006/main" showMasterSp="0" type="secHead" preserve="1">
+  <p:cSld name="Заголовок раздела">
+    <p:bg>
+      <p:bgPr>
+        <a:solidFill>
+          <a:schemeClr val="bg1"/>
+        </a:solidFill>
+        <a:effectLst/>
+      </p:bgPr>
+    </p:bg>
+    <p:spTree>
+      <p:nvGrpSpPr>
+        <p:cNvPr id="1" name=""/>
+        <p:cNvGrpSpPr/>
+        <p:nvPr/>
+      </p:nvGrpSpPr>
+      <p:grpSpPr>
+        <a:xfrm>
+          <a:off x="0" y="0"/>
+          <a:ext cx="0" cy="0"/>
+          <a:chOff x="0" y="0"/>
+          <a:chExt cx="0" cy="0"/>
+        </a:xfrm>
+      </p:grpSpPr>
+      <p:sp>
+        <p:nvSpPr>
+          <p:cNvPr id="7" name="Rectangle 6"/>
+          <p:cNvSpPr/>
+          <p:nvPr/>
+        </p:nvSpPr>
+        <p:spPr>
+          <a:xfrm>
+            <a:off x="3177" y="6400800"/>
+            <a:ext cx="12188825" cy="457200"/>
+          </a:xfrm>
+          <a:prstGeom prst="rect">
+            <a:avLst/>
+          </a:prstGeom>
+          <a:solidFill>
+            <a:schemeClr val="accent2"/>
+          </a:solidFill>
+          <a:ln>
+            <a:noFill/>
+          </a:ln>
+        </p:spPr>
+        <p:style>
+          <a:lnRef idx="2">
+            <a:schemeClr val="accent1">
+              <a:shade val="50000"/>
+            </a:schemeClr>
+          </a:lnRef>
+          <a:fillRef idx="1">
+            <a:schemeClr val="accent1"/>
+          </a:fillRef>
+          <a:effectRef idx="0">
+            <a:schemeClr val="accent1"/>
+          </a:effectRef>
+          <a:fontRef idx="minor">
+            <a:schemeClr val="lt1"/>
+          </a:fontRef>
+        </p:style>
+      </p:sp>
+      <p:sp>
+        <p:nvSpPr>
+          <p:cNvPr id="8" name="Rectangle 7"/>
+          <p:cNvSpPr/>
+          <p:nvPr/>
+        </p:nvSpPr>
+        <p:spPr>
+          <a:xfrm>
+            <a:off x="17" y="6334316"/>
+            <a:ext cx="12188825" cy="64008"/>
+          </a:xfrm>
+          <a:prstGeom prst="rect">
+            <a:avLst/>
+          </a:prstGeom>
+          <a:solidFill>
+            <a:schemeClr val="accent1"/>
+          </a:solidFill>
+          <a:ln>
+            <a:noFill/>
+          </a:ln>
+        </p:spPr>
+        <p:style>
+          <a:lnRef idx="2">
+            <a:schemeClr val="accent1">
+              <a:shade val="50000"/>
+            </a:schemeClr>
+          </a:lnRef>
+          <a:fillRef idx="1">
+            <a:schemeClr val="accent1"/>
+          </a:fillRef>
+          <a:effectRef idx="0">
+            <a:schemeClr val="accent1"/>
+          </a:effectRef>
+          <a:fontRef idx="minor">
+            <a:schemeClr val="lt1"/>
+          </a:fontRef>
+        </p:style>
+      </p:sp>
+      <p:sp>
+        <p:nvSpPr>
+          <p:cNvPr id="2" name="Title 1"/>
+          <p:cNvSpPr>
+            <a:spLocks noGrp="1"/>
+          </p:cNvSpPr>
+          <p:nvPr>
+            <p:ph type="title"/>
+          </p:nvPr>
+        </p:nvSpPr>
+        <p:spPr>
+          <a:xfrm>
+            <a:off x="1097280" y="758952"/>
+            <a:ext cx="10058400" cy="3566160"/>
+          </a:xfrm>
+        </p:spPr>
+        <p:txBody>
+          <a:bodyPr anchor="b" anchorCtr="0">
+            <a:normAutofit/>
+          </a:bodyPr>
+          <a:lstStyle>
+            <a:lvl1pPr>
+              <a:lnSpc>
+                <a:spcPct val="85000"/>
+              </a:lnSpc>
+              <a:defRPr sz="8000" b="0">
+                <a:solidFill>
+                  <a:schemeClr val="tx1">
+                    <a:lumMod val="85000"/>
+                    <a:lumOff val="15000"/>
+                  </a:schemeClr>
+                </a:solidFill>
+              </a:defRPr>
+            </a:lvl1pPr>
+          </a:lstStyle>
+          <a:p>
+            <a:r>
+              <a:rPr lang="ru-RU" smtClean="0"/>
+              <a:t>Образец заголовка</a:t>
+            </a:r>
+            <a:endParaRPr lang="en-US" dirty="0"/>
+          </a:p>
+        </p:txBody>
+      </p:sp>
+      <p:sp>
+        <p:nvSpPr>
+          <p:cNvPr id="3" name="Text Placeholder 2"/>
+          <p:cNvSpPr>
+            <a:spLocks noGrp="1"/>
+          </p:cNvSpPr>
+          <p:nvPr>
+            <p:ph type="body" idx="1"/>
+          </p:nvPr>
+        </p:nvSpPr>
+        <p:spPr>
+          <a:xfrm>
+            <a:off x="1097280" y="4453128"/>
+            <a:ext cx="10058400" cy="1143000"/>
+          </a:xfrm>
+        </p:spPr>
+        <p:txBody>
+          <a:bodyPr lIns="91440" rIns="91440" anchor="t" anchorCtr="0">
+            <a:normAutofit/>
+          </a:bodyPr>
+          <a:lstStyle>
+            <a:lvl1pPr marL="0" indent="0">
+              <a:buNone/>
+              <a:defRPr sz="2400" cap="all" spc="200" baseline="0">
+                <a:solidFill>
+                  <a:schemeClr val="tx2"/>
+                </a:solidFill>
+                <a:latin typeface="+mj-lt"/>
+              </a:defRPr>
+            </a:lvl1pPr>
+            <a:lvl2pPr marL="457203" indent="0">
+              <a:buNone/>
+              <a:defRPr sz="1800">
+                <a:solidFill>
+                  <a:schemeClr val="tx1">
+                    <a:tint val="75000"/>
+                  </a:schemeClr>
+                </a:solidFill>
+              </a:defRPr>
+            </a:lvl2pPr>
+            <a:lvl3pPr marL="914406" indent="0">
+              <a:buNone/>
+              <a:defRPr sz="1600">
+                <a:solidFill>
+                  <a:schemeClr val="tx1">
+                    <a:tint val="75000"/>
+                  </a:schemeClr>
+                </a:solidFill>
+              </a:defRPr>
+            </a:lvl3pPr>
+            <a:lvl4pPr marL="1371609" indent="0">
+              <a:buNone/>
+              <a:defRPr sz="1400">
+                <a:solidFill>
+                  <a:schemeClr val="tx1">
+                    <a:tint val="75000"/>
+                  </a:schemeClr>
+                </a:solidFill>
+              </a:defRPr>
+            </a:lvl4pPr>
+            <a:lvl5pPr marL="1828812" indent="0">
+              <a:buNone/>
+              <a:defRPr sz="1400">
+                <a:solidFill>
+                  <a:schemeClr val="tx1">
+                    <a:tint val="75000"/>
+                  </a:schemeClr>
+                </a:solidFill>
+              </a:defRPr>
+            </a:lvl5pPr>
+            <a:lvl6pPr marL="2286015" indent="0">
+              <a:buNone/>
+              <a:defRPr sz="1400">
+                <a:solidFill>
+                  <a:schemeClr val="tx1">
+                    <a:tint val="75000"/>
+                  </a:schemeClr>
+                </a:solidFill>
+              </a:defRPr>
+            </a:lvl6pPr>
+            <a:lvl7pPr marL="2743218" indent="0">
+              <a:buNone/>
+              <a:defRPr sz="1400">
+                <a:solidFill>
+                  <a:schemeClr val="tx1">
+                    <a:tint val="75000"/>
+                  </a:schemeClr>
+                </a:solidFill>
+              </a:defRPr>
+            </a:lvl7pPr>
+            <a:lvl8pPr marL="3200421" indent="0">
+              <a:buNone/>
+              <a:defRPr sz="1400">
+                <a:solidFill>
+                  <a:schemeClr val="tx1">
+                    <a:tint val="75000"/>
+                  </a:schemeClr>
+                </a:solidFill>
+              </a:defRPr>
+            </a:lvl8pPr>
+            <a:lvl9pPr marL="3657624" indent="0">
+              <a:buNone/>
+              <a:defRPr sz="1400">
+                <a:solidFill>
+                  <a:schemeClr val="tx1">
+                    <a:tint val="75000"/>
+                  </a:schemeClr>
+                </a:solidFill>
+              </a:defRPr>
+            </a:lvl9pPr>
+          </a:lstStyle>
+          <a:p>
+            <a:pPr lvl="0"/>
+            <a:r>
+              <a:rPr lang="ru-RU" smtClean="0"/>
+              <a:t>Образец текста</a:t>
+            </a:r>
+          </a:p>
+        </p:txBody>
+      </p:sp>
+      <p:sp>
+        <p:nvSpPr>
+          <p:cNvPr id="4" name="Date Placeholder 3"/>
+          <p:cNvSpPr>
+            <a:spLocks noGrp="1"/>
+          </p:cNvSpPr>
+          <p:nvPr>
+            <p:ph type="dt" sz="half" idx="10"/>
+          </p:nvPr>
+        </p:nvSpPr>
+        <p:spPr/>
+        <p:txBody>
+          <a:bodyPr/>
+          <a:lstStyle/>
+          <a:p>
+            <a:fld id="{AAA2E82E-A3B8-4E80-AD9E-432162977407}" type="datetime1">
+              <a:rPr lang="ru-RU" smtClean="0"/>
+              <a:t>21.07.2017</a:t>
             </a:fld>
             <a:endParaRPr lang="ru-RU"/>
           </a:p>
@@ -822,1164 +2015,7 @@
     </p:spTree>
     <p:extLst>
       <p:ext uri="{BB962C8B-B14F-4D97-AF65-F5344CB8AC3E}">
-        <p14:creationId xmlns:p14="http://schemas.microsoft.com/office/powerpoint/2010/main" val="1352009642"/>
-      </p:ext>
-    </p:extLst>
-  </p:cSld>
-  <p:clrMapOvr>
-    <a:masterClrMapping/>
-  </p:clrMapOvr>
-</p:sldLayout>
-</file>
-
-<file path=ppt/slideLayouts/slideLayout10.xml><?xml version="1.0" encoding="utf-8"?>
-<p:sldLayout xmlns:a="http://schemas.openxmlformats.org/drawingml/2006/main" xmlns:r="http://schemas.openxmlformats.org/officeDocument/2006/relationships" xmlns:p="http://schemas.openxmlformats.org/presentationml/2006/main" type="vertTx" preserve="1">
-  <p:cSld name="Заголовок и вертикальный текст">
-    <p:spTree>
-      <p:nvGrpSpPr>
-        <p:cNvPr id="1" name=""/>
-        <p:cNvGrpSpPr/>
-        <p:nvPr/>
-      </p:nvGrpSpPr>
-      <p:grpSpPr>
-        <a:xfrm>
-          <a:off x="0" y="0"/>
-          <a:ext cx="0" cy="0"/>
-          <a:chOff x="0" y="0"/>
-          <a:chExt cx="0" cy="0"/>
-        </a:xfrm>
-      </p:grpSpPr>
-      <p:sp>
-        <p:nvSpPr>
-          <p:cNvPr id="2" name="Title 1"/>
-          <p:cNvSpPr>
-            <a:spLocks noGrp="1"/>
-          </p:cNvSpPr>
-          <p:nvPr>
-            <p:ph type="title"/>
-          </p:nvPr>
-        </p:nvSpPr>
-        <p:spPr/>
-        <p:txBody>
-          <a:bodyPr/>
-          <a:lstStyle/>
-          <a:p>
-            <a:r>
-              <a:rPr lang="ru-RU" smtClean="0"/>
-              <a:t>Образец заголовка</a:t>
-            </a:r>
-            <a:endParaRPr lang="en-US" dirty="0"/>
-          </a:p>
-        </p:txBody>
-      </p:sp>
-      <p:sp>
-        <p:nvSpPr>
-          <p:cNvPr id="3" name="Vertical Text Placeholder 2"/>
-          <p:cNvSpPr>
-            <a:spLocks noGrp="1"/>
-          </p:cNvSpPr>
-          <p:nvPr>
-            <p:ph type="body" orient="vert" idx="1"/>
-          </p:nvPr>
-        </p:nvSpPr>
-        <p:spPr/>
-        <p:txBody>
-          <a:bodyPr vert="eaVert" lIns="45720" tIns="0" rIns="45720" bIns="0"/>
-          <a:lstStyle/>
-          <a:p>
-            <a:pPr lvl="0"/>
-            <a:r>
-              <a:rPr lang="ru-RU" smtClean="0"/>
-              <a:t>Образец текста</a:t>
-            </a:r>
-          </a:p>
-          <a:p>
-            <a:pPr lvl="1"/>
-            <a:r>
-              <a:rPr lang="ru-RU" smtClean="0"/>
-              <a:t>Второй уровень</a:t>
-            </a:r>
-          </a:p>
-          <a:p>
-            <a:pPr lvl="2"/>
-            <a:r>
-              <a:rPr lang="ru-RU" smtClean="0"/>
-              <a:t>Третий уровень</a:t>
-            </a:r>
-          </a:p>
-          <a:p>
-            <a:pPr lvl="3"/>
-            <a:r>
-              <a:rPr lang="ru-RU" smtClean="0"/>
-              <a:t>Четвертый уровень</a:t>
-            </a:r>
-          </a:p>
-          <a:p>
-            <a:pPr lvl="4"/>
-            <a:r>
-              <a:rPr lang="ru-RU" smtClean="0"/>
-              <a:t>Пятый уровень</a:t>
-            </a:r>
-            <a:endParaRPr lang="en-US" dirty="0"/>
-          </a:p>
-        </p:txBody>
-      </p:sp>
-      <p:sp>
-        <p:nvSpPr>
-          <p:cNvPr id="4" name="Date Placeholder 3"/>
-          <p:cNvSpPr>
-            <a:spLocks noGrp="1"/>
-          </p:cNvSpPr>
-          <p:nvPr>
-            <p:ph type="dt" sz="half" idx="10"/>
-          </p:nvPr>
-        </p:nvSpPr>
-        <p:spPr/>
-        <p:txBody>
-          <a:bodyPr/>
-          <a:lstStyle/>
-          <a:p>
-            <a:fld id="{7DA35312-E8CB-46A6-ADFF-903FF5D4AA3F}" type="datetime1">
-              <a:rPr lang="ru-RU" smtClean="0"/>
-              <a:t>01.06.2017</a:t>
-            </a:fld>
-            <a:endParaRPr lang="ru-RU"/>
-          </a:p>
-        </p:txBody>
-      </p:sp>
-      <p:sp>
-        <p:nvSpPr>
-          <p:cNvPr id="5" name="Footer Placeholder 4"/>
-          <p:cNvSpPr>
-            <a:spLocks noGrp="1"/>
-          </p:cNvSpPr>
-          <p:nvPr>
-            <p:ph type="ftr" sz="quarter" idx="11"/>
-          </p:nvPr>
-        </p:nvSpPr>
-        <p:spPr/>
-        <p:txBody>
-          <a:bodyPr/>
-          <a:lstStyle/>
-          <a:p>
-            <a:r>
-              <a:rPr lang="ru-RU" smtClean="0"/>
-              <a:t>Кафедра 24. "Компьютерный практикум по прикладной ядерной физике: Geant4"</a:t>
-            </a:r>
-            <a:endParaRPr lang="ru-RU"/>
-          </a:p>
-        </p:txBody>
-      </p:sp>
-      <p:sp>
-        <p:nvSpPr>
-          <p:cNvPr id="6" name="Slide Number Placeholder 5"/>
-          <p:cNvSpPr>
-            <a:spLocks noGrp="1"/>
-          </p:cNvSpPr>
-          <p:nvPr>
-            <p:ph type="sldNum" sz="quarter" idx="12"/>
-          </p:nvPr>
-        </p:nvSpPr>
-        <p:spPr/>
-        <p:txBody>
-          <a:bodyPr/>
-          <a:lstStyle/>
-          <a:p>
-            <a:fld id="{5EEF3390-9182-4B10-BF7D-BB7D61E9A6A1}" type="slidenum">
-              <a:rPr lang="ru-RU" smtClean="0"/>
-              <a:t>‹#›</a:t>
-            </a:fld>
-            <a:endParaRPr lang="ru-RU"/>
-          </a:p>
-        </p:txBody>
-      </p:sp>
-    </p:spTree>
-    <p:extLst>
-      <p:ext uri="{BB962C8B-B14F-4D97-AF65-F5344CB8AC3E}">
-        <p14:creationId xmlns:p14="http://schemas.microsoft.com/office/powerpoint/2010/main" val="1627702120"/>
-      </p:ext>
-    </p:extLst>
-  </p:cSld>
-  <p:clrMapOvr>
-    <a:masterClrMapping/>
-  </p:clrMapOvr>
-</p:sldLayout>
-</file>
-
-<file path=ppt/slideLayouts/slideLayout11.xml><?xml version="1.0" encoding="utf-8"?>
-<p:sldLayout xmlns:a="http://schemas.openxmlformats.org/drawingml/2006/main" xmlns:r="http://schemas.openxmlformats.org/officeDocument/2006/relationships" xmlns:p="http://schemas.openxmlformats.org/presentationml/2006/main" showMasterSp="0" type="vertTitleAndTx" preserve="1">
-  <p:cSld name="Вертикальный заголовок и текст">
-    <p:spTree>
-      <p:nvGrpSpPr>
-        <p:cNvPr id="1" name=""/>
-        <p:cNvGrpSpPr/>
-        <p:nvPr/>
-      </p:nvGrpSpPr>
-      <p:grpSpPr>
-        <a:xfrm>
-          <a:off x="0" y="0"/>
-          <a:ext cx="0" cy="0"/>
-          <a:chOff x="0" y="0"/>
-          <a:chExt cx="0" cy="0"/>
-        </a:xfrm>
-      </p:grpSpPr>
-      <p:sp>
-        <p:nvSpPr>
-          <p:cNvPr id="7" name="Rectangle 6"/>
-          <p:cNvSpPr/>
-          <p:nvPr/>
-        </p:nvSpPr>
-        <p:spPr>
-          <a:xfrm>
-            <a:off x="3177" y="6400800"/>
-            <a:ext cx="12188825" cy="457200"/>
-          </a:xfrm>
-          <a:prstGeom prst="rect">
-            <a:avLst/>
-          </a:prstGeom>
-          <a:solidFill>
-            <a:schemeClr val="accent2"/>
-          </a:solidFill>
-          <a:ln>
-            <a:noFill/>
-          </a:ln>
-        </p:spPr>
-        <p:style>
-          <a:lnRef idx="2">
-            <a:schemeClr val="accent1">
-              <a:shade val="50000"/>
-            </a:schemeClr>
-          </a:lnRef>
-          <a:fillRef idx="1">
-            <a:schemeClr val="accent1"/>
-          </a:fillRef>
-          <a:effectRef idx="0">
-            <a:schemeClr val="accent1"/>
-          </a:effectRef>
-          <a:fontRef idx="minor">
-            <a:schemeClr val="lt1"/>
-          </a:fontRef>
-        </p:style>
-      </p:sp>
-      <p:sp>
-        <p:nvSpPr>
-          <p:cNvPr id="8" name="Rectangle 7"/>
-          <p:cNvSpPr/>
-          <p:nvPr/>
-        </p:nvSpPr>
-        <p:spPr>
-          <a:xfrm>
-            <a:off x="17" y="6334316"/>
-            <a:ext cx="12188825" cy="64008"/>
-          </a:xfrm>
-          <a:prstGeom prst="rect">
-            <a:avLst/>
-          </a:prstGeom>
-          <a:solidFill>
-            <a:schemeClr val="accent1"/>
-          </a:solidFill>
-          <a:ln>
-            <a:noFill/>
-          </a:ln>
-        </p:spPr>
-        <p:style>
-          <a:lnRef idx="2">
-            <a:schemeClr val="accent1">
-              <a:shade val="50000"/>
-            </a:schemeClr>
-          </a:lnRef>
-          <a:fillRef idx="1">
-            <a:schemeClr val="accent1"/>
-          </a:fillRef>
-          <a:effectRef idx="0">
-            <a:schemeClr val="accent1"/>
-          </a:effectRef>
-          <a:fontRef idx="minor">
-            <a:schemeClr val="lt1"/>
-          </a:fontRef>
-        </p:style>
-      </p:sp>
-      <p:sp>
-        <p:nvSpPr>
-          <p:cNvPr id="2" name="Vertical Title 1"/>
-          <p:cNvSpPr>
-            <a:spLocks noGrp="1"/>
-          </p:cNvSpPr>
-          <p:nvPr>
-            <p:ph type="title" orient="vert"/>
-          </p:nvPr>
-        </p:nvSpPr>
-        <p:spPr>
-          <a:xfrm>
-            <a:off x="8724902" y="412303"/>
-            <a:ext cx="2628900" cy="5759898"/>
-          </a:xfrm>
-        </p:spPr>
-        <p:txBody>
-          <a:bodyPr vert="eaVert"/>
-          <a:lstStyle/>
-          <a:p>
-            <a:r>
-              <a:rPr lang="ru-RU" smtClean="0"/>
-              <a:t>Образец заголовка</a:t>
-            </a:r>
-            <a:endParaRPr lang="en-US" dirty="0"/>
-          </a:p>
-        </p:txBody>
-      </p:sp>
-      <p:sp>
-        <p:nvSpPr>
-          <p:cNvPr id="3" name="Vertical Text Placeholder 2"/>
-          <p:cNvSpPr>
-            <a:spLocks noGrp="1"/>
-          </p:cNvSpPr>
-          <p:nvPr>
-            <p:ph type="body" orient="vert" idx="1"/>
-          </p:nvPr>
-        </p:nvSpPr>
-        <p:spPr>
-          <a:xfrm>
-            <a:off x="838201" y="412303"/>
-            <a:ext cx="7734299" cy="5759898"/>
-          </a:xfrm>
-        </p:spPr>
-        <p:txBody>
-          <a:bodyPr vert="eaVert" lIns="45720" tIns="0" rIns="45720" bIns="0"/>
-          <a:lstStyle/>
-          <a:p>
-            <a:pPr lvl="0"/>
-            <a:r>
-              <a:rPr lang="ru-RU" smtClean="0"/>
-              <a:t>Образец текста</a:t>
-            </a:r>
-          </a:p>
-          <a:p>
-            <a:pPr lvl="1"/>
-            <a:r>
-              <a:rPr lang="ru-RU" smtClean="0"/>
-              <a:t>Второй уровень</a:t>
-            </a:r>
-          </a:p>
-          <a:p>
-            <a:pPr lvl="2"/>
-            <a:r>
-              <a:rPr lang="ru-RU" smtClean="0"/>
-              <a:t>Третий уровень</a:t>
-            </a:r>
-          </a:p>
-          <a:p>
-            <a:pPr lvl="3"/>
-            <a:r>
-              <a:rPr lang="ru-RU" smtClean="0"/>
-              <a:t>Четвертый уровень</a:t>
-            </a:r>
-          </a:p>
-          <a:p>
-            <a:pPr lvl="4"/>
-            <a:r>
-              <a:rPr lang="ru-RU" smtClean="0"/>
-              <a:t>Пятый уровень</a:t>
-            </a:r>
-            <a:endParaRPr lang="en-US" dirty="0"/>
-          </a:p>
-        </p:txBody>
-      </p:sp>
-      <p:sp>
-        <p:nvSpPr>
-          <p:cNvPr id="4" name="Date Placeholder 3"/>
-          <p:cNvSpPr>
-            <a:spLocks noGrp="1"/>
-          </p:cNvSpPr>
-          <p:nvPr>
-            <p:ph type="dt" sz="half" idx="10"/>
-          </p:nvPr>
-        </p:nvSpPr>
-        <p:spPr/>
-        <p:txBody>
-          <a:bodyPr/>
-          <a:lstStyle/>
-          <a:p>
-            <a:fld id="{8DDD104D-6885-446A-99B8-3A2698A667EF}" type="datetime1">
-              <a:rPr lang="ru-RU" smtClean="0"/>
-              <a:t>01.06.2017</a:t>
-            </a:fld>
-            <a:endParaRPr lang="ru-RU"/>
-          </a:p>
-        </p:txBody>
-      </p:sp>
-      <p:sp>
-        <p:nvSpPr>
-          <p:cNvPr id="5" name="Footer Placeholder 4"/>
-          <p:cNvSpPr>
-            <a:spLocks noGrp="1"/>
-          </p:cNvSpPr>
-          <p:nvPr>
-            <p:ph type="ftr" sz="quarter" idx="11"/>
-          </p:nvPr>
-        </p:nvSpPr>
-        <p:spPr/>
-        <p:txBody>
-          <a:bodyPr/>
-          <a:lstStyle/>
-          <a:p>
-            <a:r>
-              <a:rPr lang="ru-RU" smtClean="0"/>
-              <a:t>Кафедра 24. "Компьютерный практикум по прикладной ядерной физике: Geant4"</a:t>
-            </a:r>
-            <a:endParaRPr lang="ru-RU"/>
-          </a:p>
-        </p:txBody>
-      </p:sp>
-      <p:sp>
-        <p:nvSpPr>
-          <p:cNvPr id="6" name="Slide Number Placeholder 5"/>
-          <p:cNvSpPr>
-            <a:spLocks noGrp="1"/>
-          </p:cNvSpPr>
-          <p:nvPr>
-            <p:ph type="sldNum" sz="quarter" idx="12"/>
-          </p:nvPr>
-        </p:nvSpPr>
-        <p:spPr/>
-        <p:txBody>
-          <a:bodyPr/>
-          <a:lstStyle/>
-          <a:p>
-            <a:fld id="{5EEF3390-9182-4B10-BF7D-BB7D61E9A6A1}" type="slidenum">
-              <a:rPr lang="ru-RU" smtClean="0"/>
-              <a:t>‹#›</a:t>
-            </a:fld>
-            <a:endParaRPr lang="ru-RU"/>
-          </a:p>
-        </p:txBody>
-      </p:sp>
-    </p:spTree>
-    <p:extLst>
-      <p:ext uri="{BB962C8B-B14F-4D97-AF65-F5344CB8AC3E}">
-        <p14:creationId xmlns:p14="http://schemas.microsoft.com/office/powerpoint/2010/main" val="691180799"/>
-      </p:ext>
-    </p:extLst>
-  </p:cSld>
-  <p:clrMapOvr>
-    <a:masterClrMapping/>
-  </p:clrMapOvr>
-</p:sldLayout>
-</file>
-
-<file path=ppt/slideLayouts/slideLayout12.xml><?xml version="1.0" encoding="utf-8"?>
-<p:sldLayout xmlns:a="http://schemas.openxmlformats.org/drawingml/2006/main" xmlns:r="http://schemas.openxmlformats.org/officeDocument/2006/relationships" xmlns:p="http://schemas.openxmlformats.org/presentationml/2006/main" type="tx">
-  <p:cSld name="1_Титульный слайд">
-    <p:spTree>
-      <p:nvGrpSpPr>
-        <p:cNvPr id="1" name=""/>
-        <p:cNvGrpSpPr/>
-        <p:nvPr/>
-      </p:nvGrpSpPr>
-      <p:grpSpPr>
-        <a:xfrm>
-          <a:off x="0" y="0"/>
-          <a:ext cx="0" cy="0"/>
-          <a:chOff x="0" y="0"/>
-          <a:chExt cx="0" cy="0"/>
-        </a:xfrm>
-      </p:grpSpPr>
-      <p:sp>
-        <p:nvSpPr>
-          <p:cNvPr id="5" name="PlaceHolder 1"/>
-          <p:cNvSpPr>
-            <a:spLocks noGrp="1"/>
-          </p:cNvSpPr>
-          <p:nvPr>
-            <p:ph type="title"/>
-          </p:nvPr>
-        </p:nvSpPr>
-        <p:spPr>
-          <a:xfrm>
-            <a:off x="609562" y="273352"/>
-            <a:ext cx="10971684" cy="1145009"/>
-          </a:xfrm>
-          <a:prstGeom prst="rect">
-            <a:avLst/>
-          </a:prstGeom>
-        </p:spPr>
-        <p:txBody>
-          <a:bodyPr lIns="0" tIns="0" rIns="0" bIns="0" anchor="ctr"/>
-          <a:lstStyle/>
-          <a:p>
-            <a:pPr algn="ctr"/>
-            <a:r>
-              <a:rPr lang="ru-RU" sz="3992" b="0" strike="noStrike" spc="-1" smtClean="0">
-                <a:solidFill>
-                  <a:srgbClr val="000000"/>
-                </a:solidFill>
-                <a:uFill>
-                  <a:solidFill>
-                    <a:srgbClr val="FFFFFF"/>
-                  </a:solidFill>
-                </a:uFill>
-                <a:latin typeface="Arial"/>
-              </a:rPr>
-              <a:t>Образец заголовка</a:t>
-            </a:r>
-            <a:endParaRPr lang="ru-RU" sz="3992" b="0" strike="noStrike" spc="-1">
-              <a:solidFill>
-                <a:srgbClr val="000000"/>
-              </a:solidFill>
-              <a:uFill>
-                <a:solidFill>
-                  <a:srgbClr val="FFFFFF"/>
-                </a:solidFill>
-              </a:uFill>
-              <a:latin typeface="Arial"/>
-            </a:endParaRPr>
-          </a:p>
-        </p:txBody>
-      </p:sp>
-      <p:sp>
-        <p:nvSpPr>
-          <p:cNvPr id="6" name="PlaceHolder 2"/>
-          <p:cNvSpPr>
-            <a:spLocks noGrp="1"/>
-          </p:cNvSpPr>
-          <p:nvPr>
-            <p:ph type="subTitle"/>
-          </p:nvPr>
-        </p:nvSpPr>
-        <p:spPr>
-          <a:xfrm>
-            <a:off x="609562" y="1604841"/>
-            <a:ext cx="10971684" cy="3977484"/>
-          </a:xfrm>
-          <a:prstGeom prst="rect">
-            <a:avLst/>
-          </a:prstGeom>
-        </p:spPr>
-        <p:txBody>
-          <a:bodyPr lIns="0" tIns="0" rIns="0" bIns="0" anchor="ctr"/>
-          <a:lstStyle/>
-          <a:p>
-            <a:pPr algn="ctr"/>
-            <a:r>
-              <a:rPr lang="ru-RU" sz="2903" b="0" strike="noStrike" spc="-1" smtClean="0">
-                <a:solidFill>
-                  <a:srgbClr val="000000"/>
-                </a:solidFill>
-                <a:uFill>
-                  <a:solidFill>
-                    <a:srgbClr val="FFFFFF"/>
-                  </a:solidFill>
-                </a:uFill>
-                <a:latin typeface="Arial"/>
-              </a:rPr>
-              <a:t>Образец подзаголовка</a:t>
-            </a:r>
-            <a:endParaRPr lang="ru-RU" sz="2903" b="0" strike="noStrike" spc="-1">
-              <a:solidFill>
-                <a:srgbClr val="000000"/>
-              </a:solidFill>
-              <a:uFill>
-                <a:solidFill>
-                  <a:srgbClr val="FFFFFF"/>
-                </a:solidFill>
-              </a:uFill>
-              <a:latin typeface="Arial"/>
-            </a:endParaRPr>
-          </a:p>
-        </p:txBody>
-      </p:sp>
-    </p:spTree>
-    <p:extLst>
-      <p:ext uri="{BB962C8B-B14F-4D97-AF65-F5344CB8AC3E}">
-        <p14:creationId xmlns:p14="http://schemas.microsoft.com/office/powerpoint/2010/main" val="3041750966"/>
-      </p:ext>
-    </p:extLst>
-  </p:cSld>
-  <p:clrMapOvr>
-    <a:masterClrMapping/>
-  </p:clrMapOvr>
-</p:sldLayout>
-</file>
-
-<file path=ppt/slideLayouts/slideLayout2.xml><?xml version="1.0" encoding="utf-8"?>
-<p:sldLayout xmlns:a="http://schemas.openxmlformats.org/drawingml/2006/main" xmlns:r="http://schemas.openxmlformats.org/officeDocument/2006/relationships" xmlns:p="http://schemas.openxmlformats.org/presentationml/2006/main" type="obj" preserve="1">
-  <p:cSld name="Заголовок и объект">
-    <p:spTree>
-      <p:nvGrpSpPr>
-        <p:cNvPr id="1" name=""/>
-        <p:cNvGrpSpPr/>
-        <p:nvPr/>
-      </p:nvGrpSpPr>
-      <p:grpSpPr>
-        <a:xfrm>
-          <a:off x="0" y="0"/>
-          <a:ext cx="0" cy="0"/>
-          <a:chOff x="0" y="0"/>
-          <a:chExt cx="0" cy="0"/>
-        </a:xfrm>
-      </p:grpSpPr>
-      <p:sp>
-        <p:nvSpPr>
-          <p:cNvPr id="2" name="Title 1"/>
-          <p:cNvSpPr>
-            <a:spLocks noGrp="1"/>
-          </p:cNvSpPr>
-          <p:nvPr>
-            <p:ph type="title"/>
-          </p:nvPr>
-        </p:nvSpPr>
-        <p:spPr/>
-        <p:txBody>
-          <a:bodyPr/>
-          <a:lstStyle/>
-          <a:p>
-            <a:r>
-              <a:rPr lang="ru-RU" smtClean="0"/>
-              <a:t>Образец заголовка</a:t>
-            </a:r>
-            <a:endParaRPr lang="en-US" dirty="0"/>
-          </a:p>
-        </p:txBody>
-      </p:sp>
-      <p:sp>
-        <p:nvSpPr>
-          <p:cNvPr id="3" name="Content Placeholder 2"/>
-          <p:cNvSpPr>
-            <a:spLocks noGrp="1"/>
-          </p:cNvSpPr>
-          <p:nvPr>
-            <p:ph idx="1"/>
-          </p:nvPr>
-        </p:nvSpPr>
-        <p:spPr/>
-        <p:txBody>
-          <a:bodyPr/>
-          <a:lstStyle/>
-          <a:p>
-            <a:pPr lvl="0"/>
-            <a:r>
-              <a:rPr lang="ru-RU" smtClean="0"/>
-              <a:t>Образец текста</a:t>
-            </a:r>
-          </a:p>
-          <a:p>
-            <a:pPr lvl="1"/>
-            <a:r>
-              <a:rPr lang="ru-RU" smtClean="0"/>
-              <a:t>Второй уровень</a:t>
-            </a:r>
-          </a:p>
-          <a:p>
-            <a:pPr lvl="2"/>
-            <a:r>
-              <a:rPr lang="ru-RU" smtClean="0"/>
-              <a:t>Третий уровень</a:t>
-            </a:r>
-          </a:p>
-          <a:p>
-            <a:pPr lvl="3"/>
-            <a:r>
-              <a:rPr lang="ru-RU" smtClean="0"/>
-              <a:t>Четвертый уровень</a:t>
-            </a:r>
-          </a:p>
-          <a:p>
-            <a:pPr lvl="4"/>
-            <a:r>
-              <a:rPr lang="ru-RU" smtClean="0"/>
-              <a:t>Пятый уровень</a:t>
-            </a:r>
-            <a:endParaRPr lang="en-US" dirty="0"/>
-          </a:p>
-        </p:txBody>
-      </p:sp>
-      <p:sp>
-        <p:nvSpPr>
-          <p:cNvPr id="4" name="Date Placeholder 3"/>
-          <p:cNvSpPr>
-            <a:spLocks noGrp="1"/>
-          </p:cNvSpPr>
-          <p:nvPr>
-            <p:ph type="dt" sz="half" idx="10"/>
-          </p:nvPr>
-        </p:nvSpPr>
-        <p:spPr/>
-        <p:txBody>
-          <a:bodyPr/>
-          <a:lstStyle/>
-          <a:p>
-            <a:fld id="{7FA86688-A51F-40E3-822E-9C0247AB124A}" type="datetime1">
-              <a:rPr lang="ru-RU" smtClean="0"/>
-              <a:t>01.06.2017</a:t>
-            </a:fld>
-            <a:endParaRPr lang="ru-RU"/>
-          </a:p>
-        </p:txBody>
-      </p:sp>
-      <p:sp>
-        <p:nvSpPr>
-          <p:cNvPr id="5" name="Footer Placeholder 4"/>
-          <p:cNvSpPr>
-            <a:spLocks noGrp="1"/>
-          </p:cNvSpPr>
-          <p:nvPr>
-            <p:ph type="ftr" sz="quarter" idx="11"/>
-          </p:nvPr>
-        </p:nvSpPr>
-        <p:spPr/>
-        <p:txBody>
-          <a:bodyPr/>
-          <a:lstStyle/>
-          <a:p>
-            <a:r>
-              <a:rPr lang="ru-RU" smtClean="0"/>
-              <a:t>Кафедра 24. "Компьютерный практикум по прикладной ядерной физике: Geant4"</a:t>
-            </a:r>
-            <a:endParaRPr lang="ru-RU"/>
-          </a:p>
-        </p:txBody>
-      </p:sp>
-      <p:sp>
-        <p:nvSpPr>
-          <p:cNvPr id="6" name="Slide Number Placeholder 5"/>
-          <p:cNvSpPr>
-            <a:spLocks noGrp="1"/>
-          </p:cNvSpPr>
-          <p:nvPr>
-            <p:ph type="sldNum" sz="quarter" idx="12"/>
-          </p:nvPr>
-        </p:nvSpPr>
-        <p:spPr/>
-        <p:txBody>
-          <a:bodyPr/>
-          <a:lstStyle/>
-          <a:p>
-            <a:fld id="{5EEF3390-9182-4B10-BF7D-BB7D61E9A6A1}" type="slidenum">
-              <a:rPr lang="ru-RU" smtClean="0"/>
-              <a:t>‹#›</a:t>
-            </a:fld>
-            <a:endParaRPr lang="ru-RU"/>
-          </a:p>
-        </p:txBody>
-      </p:sp>
-      <p:cxnSp>
-        <p:nvCxnSpPr>
-          <p:cNvPr id="9" name="Прямая соединительная линия 8"/>
-          <p:cNvCxnSpPr/>
-          <p:nvPr userDrawn="1"/>
-        </p:nvCxnSpPr>
-        <p:spPr>
-          <a:xfrm>
-            <a:off x="1200150" y="1737362"/>
-            <a:ext cx="9853613" cy="0"/>
-          </a:xfrm>
-          <a:prstGeom prst="line">
-            <a:avLst/>
-          </a:prstGeom>
-        </p:spPr>
-        <p:style>
-          <a:lnRef idx="1">
-            <a:schemeClr val="dk1"/>
-          </a:lnRef>
-          <a:fillRef idx="0">
-            <a:schemeClr val="dk1"/>
-          </a:fillRef>
-          <a:effectRef idx="0">
-            <a:schemeClr val="dk1"/>
-          </a:effectRef>
-          <a:fontRef idx="minor">
-            <a:schemeClr val="tx1"/>
-          </a:fontRef>
-        </p:style>
-      </p:cxnSp>
-    </p:spTree>
-    <p:extLst>
-      <p:ext uri="{BB962C8B-B14F-4D97-AF65-F5344CB8AC3E}">
-        <p14:creationId xmlns:p14="http://schemas.microsoft.com/office/powerpoint/2010/main" val="1132413432"/>
-      </p:ext>
-    </p:extLst>
-  </p:cSld>
-  <p:clrMapOvr>
-    <a:masterClrMapping/>
-  </p:clrMapOvr>
-</p:sldLayout>
-</file>
-
-<file path=ppt/slideLayouts/slideLayout3.xml><?xml version="1.0" encoding="utf-8"?>
-<p:sldLayout xmlns:a="http://schemas.openxmlformats.org/drawingml/2006/main" xmlns:r="http://schemas.openxmlformats.org/officeDocument/2006/relationships" xmlns:p="http://schemas.openxmlformats.org/presentationml/2006/main" showMasterSp="0" type="secHead" preserve="1">
-  <p:cSld name="Заголовок раздела">
-    <p:bg>
-      <p:bgPr>
-        <a:solidFill>
-          <a:schemeClr val="bg1"/>
-        </a:solidFill>
-        <a:effectLst/>
-      </p:bgPr>
-    </p:bg>
-    <p:spTree>
-      <p:nvGrpSpPr>
-        <p:cNvPr id="1" name=""/>
-        <p:cNvGrpSpPr/>
-        <p:nvPr/>
-      </p:nvGrpSpPr>
-      <p:grpSpPr>
-        <a:xfrm>
-          <a:off x="0" y="0"/>
-          <a:ext cx="0" cy="0"/>
-          <a:chOff x="0" y="0"/>
-          <a:chExt cx="0" cy="0"/>
-        </a:xfrm>
-      </p:grpSpPr>
-      <p:sp>
-        <p:nvSpPr>
-          <p:cNvPr id="7" name="Rectangle 6"/>
-          <p:cNvSpPr/>
-          <p:nvPr/>
-        </p:nvSpPr>
-        <p:spPr>
-          <a:xfrm>
-            <a:off x="3177" y="6400800"/>
-            <a:ext cx="12188825" cy="457200"/>
-          </a:xfrm>
-          <a:prstGeom prst="rect">
-            <a:avLst/>
-          </a:prstGeom>
-          <a:solidFill>
-            <a:schemeClr val="accent2"/>
-          </a:solidFill>
-          <a:ln>
-            <a:noFill/>
-          </a:ln>
-        </p:spPr>
-        <p:style>
-          <a:lnRef idx="2">
-            <a:schemeClr val="accent1">
-              <a:shade val="50000"/>
-            </a:schemeClr>
-          </a:lnRef>
-          <a:fillRef idx="1">
-            <a:schemeClr val="accent1"/>
-          </a:fillRef>
-          <a:effectRef idx="0">
-            <a:schemeClr val="accent1"/>
-          </a:effectRef>
-          <a:fontRef idx="minor">
-            <a:schemeClr val="lt1"/>
-          </a:fontRef>
-        </p:style>
-      </p:sp>
-      <p:sp>
-        <p:nvSpPr>
-          <p:cNvPr id="8" name="Rectangle 7"/>
-          <p:cNvSpPr/>
-          <p:nvPr/>
-        </p:nvSpPr>
-        <p:spPr>
-          <a:xfrm>
-            <a:off x="17" y="6334316"/>
-            <a:ext cx="12188825" cy="64008"/>
-          </a:xfrm>
-          <a:prstGeom prst="rect">
-            <a:avLst/>
-          </a:prstGeom>
-          <a:solidFill>
-            <a:schemeClr val="accent1"/>
-          </a:solidFill>
-          <a:ln>
-            <a:noFill/>
-          </a:ln>
-        </p:spPr>
-        <p:style>
-          <a:lnRef idx="2">
-            <a:schemeClr val="accent1">
-              <a:shade val="50000"/>
-            </a:schemeClr>
-          </a:lnRef>
-          <a:fillRef idx="1">
-            <a:schemeClr val="accent1"/>
-          </a:fillRef>
-          <a:effectRef idx="0">
-            <a:schemeClr val="accent1"/>
-          </a:effectRef>
-          <a:fontRef idx="minor">
-            <a:schemeClr val="lt1"/>
-          </a:fontRef>
-        </p:style>
-      </p:sp>
-      <p:sp>
-        <p:nvSpPr>
-          <p:cNvPr id="2" name="Title 1"/>
-          <p:cNvSpPr>
-            <a:spLocks noGrp="1"/>
-          </p:cNvSpPr>
-          <p:nvPr>
-            <p:ph type="title"/>
-          </p:nvPr>
-        </p:nvSpPr>
-        <p:spPr>
-          <a:xfrm>
-            <a:off x="1097280" y="758952"/>
-            <a:ext cx="10058400" cy="3566160"/>
-          </a:xfrm>
-        </p:spPr>
-        <p:txBody>
-          <a:bodyPr anchor="b" anchorCtr="0">
-            <a:normAutofit/>
-          </a:bodyPr>
-          <a:lstStyle>
-            <a:lvl1pPr>
-              <a:lnSpc>
-                <a:spcPct val="85000"/>
-              </a:lnSpc>
-              <a:defRPr sz="8000" b="0">
-                <a:solidFill>
-                  <a:schemeClr val="tx1">
-                    <a:lumMod val="85000"/>
-                    <a:lumOff val="15000"/>
-                  </a:schemeClr>
-                </a:solidFill>
-              </a:defRPr>
-            </a:lvl1pPr>
-          </a:lstStyle>
-          <a:p>
-            <a:r>
-              <a:rPr lang="ru-RU" smtClean="0"/>
-              <a:t>Образец заголовка</a:t>
-            </a:r>
-            <a:endParaRPr lang="en-US" dirty="0"/>
-          </a:p>
-        </p:txBody>
-      </p:sp>
-      <p:sp>
-        <p:nvSpPr>
-          <p:cNvPr id="3" name="Text Placeholder 2"/>
-          <p:cNvSpPr>
-            <a:spLocks noGrp="1"/>
-          </p:cNvSpPr>
-          <p:nvPr>
-            <p:ph type="body" idx="1"/>
-          </p:nvPr>
-        </p:nvSpPr>
-        <p:spPr>
-          <a:xfrm>
-            <a:off x="1097280" y="4453128"/>
-            <a:ext cx="10058400" cy="1143000"/>
-          </a:xfrm>
-        </p:spPr>
-        <p:txBody>
-          <a:bodyPr lIns="91440" rIns="91440" anchor="t" anchorCtr="0">
-            <a:normAutofit/>
-          </a:bodyPr>
-          <a:lstStyle>
-            <a:lvl1pPr marL="0" indent="0">
-              <a:buNone/>
-              <a:defRPr sz="2400" cap="all" spc="200" baseline="0">
-                <a:solidFill>
-                  <a:schemeClr val="tx2"/>
-                </a:solidFill>
-                <a:latin typeface="+mj-lt"/>
-              </a:defRPr>
-            </a:lvl1pPr>
-            <a:lvl2pPr marL="457203" indent="0">
-              <a:buNone/>
-              <a:defRPr sz="1800">
-                <a:solidFill>
-                  <a:schemeClr val="tx1">
-                    <a:tint val="75000"/>
-                  </a:schemeClr>
-                </a:solidFill>
-              </a:defRPr>
-            </a:lvl2pPr>
-            <a:lvl3pPr marL="914406" indent="0">
-              <a:buNone/>
-              <a:defRPr sz="1600">
-                <a:solidFill>
-                  <a:schemeClr val="tx1">
-                    <a:tint val="75000"/>
-                  </a:schemeClr>
-                </a:solidFill>
-              </a:defRPr>
-            </a:lvl3pPr>
-            <a:lvl4pPr marL="1371609" indent="0">
-              <a:buNone/>
-              <a:defRPr sz="1400">
-                <a:solidFill>
-                  <a:schemeClr val="tx1">
-                    <a:tint val="75000"/>
-                  </a:schemeClr>
-                </a:solidFill>
-              </a:defRPr>
-            </a:lvl4pPr>
-            <a:lvl5pPr marL="1828812" indent="0">
-              <a:buNone/>
-              <a:defRPr sz="1400">
-                <a:solidFill>
-                  <a:schemeClr val="tx1">
-                    <a:tint val="75000"/>
-                  </a:schemeClr>
-                </a:solidFill>
-              </a:defRPr>
-            </a:lvl5pPr>
-            <a:lvl6pPr marL="2286015" indent="0">
-              <a:buNone/>
-              <a:defRPr sz="1400">
-                <a:solidFill>
-                  <a:schemeClr val="tx1">
-                    <a:tint val="75000"/>
-                  </a:schemeClr>
-                </a:solidFill>
-              </a:defRPr>
-            </a:lvl6pPr>
-            <a:lvl7pPr marL="2743218" indent="0">
-              <a:buNone/>
-              <a:defRPr sz="1400">
-                <a:solidFill>
-                  <a:schemeClr val="tx1">
-                    <a:tint val="75000"/>
-                  </a:schemeClr>
-                </a:solidFill>
-              </a:defRPr>
-            </a:lvl7pPr>
-            <a:lvl8pPr marL="3200421" indent="0">
-              <a:buNone/>
-              <a:defRPr sz="1400">
-                <a:solidFill>
-                  <a:schemeClr val="tx1">
-                    <a:tint val="75000"/>
-                  </a:schemeClr>
-                </a:solidFill>
-              </a:defRPr>
-            </a:lvl8pPr>
-            <a:lvl9pPr marL="3657624" indent="0">
-              <a:buNone/>
-              <a:defRPr sz="1400">
-                <a:solidFill>
-                  <a:schemeClr val="tx1">
-                    <a:tint val="75000"/>
-                  </a:schemeClr>
-                </a:solidFill>
-              </a:defRPr>
-            </a:lvl9pPr>
-          </a:lstStyle>
-          <a:p>
-            <a:pPr lvl="0"/>
-            <a:r>
-              <a:rPr lang="ru-RU" smtClean="0"/>
-              <a:t>Образец текста</a:t>
-            </a:r>
-          </a:p>
-        </p:txBody>
-      </p:sp>
-      <p:sp>
-        <p:nvSpPr>
-          <p:cNvPr id="4" name="Date Placeholder 3"/>
-          <p:cNvSpPr>
-            <a:spLocks noGrp="1"/>
-          </p:cNvSpPr>
-          <p:nvPr>
-            <p:ph type="dt" sz="half" idx="10"/>
-          </p:nvPr>
-        </p:nvSpPr>
-        <p:spPr/>
-        <p:txBody>
-          <a:bodyPr/>
-          <a:lstStyle/>
-          <a:p>
-            <a:fld id="{AAA2E82E-A3B8-4E80-AD9E-432162977407}" type="datetime1">
-              <a:rPr lang="ru-RU" smtClean="0"/>
-              <a:t>01.06.2017</a:t>
-            </a:fld>
-            <a:endParaRPr lang="ru-RU"/>
-          </a:p>
-        </p:txBody>
-      </p:sp>
-      <p:sp>
-        <p:nvSpPr>
-          <p:cNvPr id="5" name="Footer Placeholder 4"/>
-          <p:cNvSpPr>
-            <a:spLocks noGrp="1"/>
-          </p:cNvSpPr>
-          <p:nvPr>
-            <p:ph type="ftr" sz="quarter" idx="11"/>
-          </p:nvPr>
-        </p:nvSpPr>
-        <p:spPr/>
-        <p:txBody>
-          <a:bodyPr/>
-          <a:lstStyle/>
-          <a:p>
-            <a:r>
-              <a:rPr lang="ru-RU" smtClean="0"/>
-              <a:t>Кафедра 24. "Компьютерный практикум по прикладной ядерной физике: Geant4"</a:t>
-            </a:r>
-            <a:endParaRPr lang="ru-RU"/>
-          </a:p>
-        </p:txBody>
-      </p:sp>
-      <p:sp>
-        <p:nvSpPr>
-          <p:cNvPr id="6" name="Slide Number Placeholder 5"/>
-          <p:cNvSpPr>
-            <a:spLocks noGrp="1"/>
-          </p:cNvSpPr>
-          <p:nvPr>
-            <p:ph type="sldNum" sz="quarter" idx="12"/>
-          </p:nvPr>
-        </p:nvSpPr>
-        <p:spPr/>
-        <p:txBody>
-          <a:bodyPr/>
-          <a:lstStyle/>
-          <a:p>
-            <a:fld id="{5EEF3390-9182-4B10-BF7D-BB7D61E9A6A1}" type="slidenum">
-              <a:rPr lang="ru-RU" smtClean="0"/>
-              <a:t>‹#›</a:t>
-            </a:fld>
-            <a:endParaRPr lang="ru-RU"/>
-          </a:p>
-        </p:txBody>
-      </p:sp>
-      <p:cxnSp>
-        <p:nvCxnSpPr>
-          <p:cNvPr id="9" name="Straight Connector 8"/>
-          <p:cNvCxnSpPr/>
-          <p:nvPr/>
-        </p:nvCxnSpPr>
-        <p:spPr>
-          <a:xfrm>
-            <a:off x="1207659" y="4343400"/>
-            <a:ext cx="9875520" cy="0"/>
-          </a:xfrm>
-          <a:prstGeom prst="line">
-            <a:avLst/>
-          </a:prstGeom>
-          <a:ln w="6350">
-            <a:solidFill>
-              <a:schemeClr val="tx1">
-                <a:lumMod val="50000"/>
-                <a:lumOff val="50000"/>
-              </a:schemeClr>
-            </a:solidFill>
-          </a:ln>
-        </p:spPr>
-        <p:style>
-          <a:lnRef idx="1">
-            <a:schemeClr val="accent1"/>
-          </a:lnRef>
-          <a:fillRef idx="0">
-            <a:schemeClr val="accent1"/>
-          </a:fillRef>
-          <a:effectRef idx="0">
-            <a:schemeClr val="accent1"/>
-          </a:effectRef>
-          <a:fontRef idx="minor">
-            <a:schemeClr val="tx1"/>
-          </a:fontRef>
-        </p:style>
-      </p:cxnSp>
-    </p:spTree>
-    <p:extLst>
-      <p:ext uri="{BB962C8B-B14F-4D97-AF65-F5344CB8AC3E}">
-        <p14:creationId xmlns:p14="http://schemas.microsoft.com/office/powerpoint/2010/main" val="745464327"/>
+        <p14:creationId xmlns:p14="http://schemas.microsoft.com/office/powerpoint/2010/main" val="4147936854"/>
       </p:ext>
     </p:extLst>
   </p:cSld>
@@ -2165,7 +2201,7 @@
           <a:p>
             <a:fld id="{3C49B51A-DE2C-415F-A087-1D889CB8E6BE}" type="datetime1">
               <a:rPr lang="ru-RU" smtClean="0"/>
-              <a:t>01.06.2017</a:t>
+              <a:t>21.07.2017</a:t>
             </a:fld>
             <a:endParaRPr lang="ru-RU"/>
           </a:p>
@@ -2220,7 +2256,7 @@
     </p:spTree>
     <p:extLst>
       <p:ext uri="{BB962C8B-B14F-4D97-AF65-F5344CB8AC3E}">
-        <p14:creationId xmlns:p14="http://schemas.microsoft.com/office/powerpoint/2010/main" val="1288089932"/>
+        <p14:creationId xmlns:p14="http://schemas.microsoft.com/office/powerpoint/2010/main" val="1831832560"/>
       </p:ext>
     </p:extLst>
   </p:cSld>
@@ -2548,7 +2584,7 @@
           <a:p>
             <a:fld id="{2FB49249-F267-4C2E-B0F5-2D6025E76183}" type="datetime1">
               <a:rPr lang="ru-RU" smtClean="0"/>
-              <a:t>01.06.2017</a:t>
+              <a:t>21.07.2017</a:t>
             </a:fld>
             <a:endParaRPr lang="ru-RU"/>
           </a:p>
@@ -2603,7 +2639,7 @@
     </p:spTree>
     <p:extLst>
       <p:ext uri="{BB962C8B-B14F-4D97-AF65-F5344CB8AC3E}">
-        <p14:creationId xmlns:p14="http://schemas.microsoft.com/office/powerpoint/2010/main" val="3637842167"/>
+        <p14:creationId xmlns:p14="http://schemas.microsoft.com/office/powerpoint/2010/main" val="2436372514"/>
       </p:ext>
     </p:extLst>
   </p:cSld>
@@ -2630,32 +2666,6 @@
           <a:chExt cx="0" cy="0"/>
         </a:xfrm>
       </p:grpSpPr>
-      <p:pic>
-        <p:nvPicPr>
-          <p:cNvPr id="6" name="Рисунок 5"/>
-          <p:cNvPicPr>
-            <a:picLocks noChangeAspect="1"/>
-          </p:cNvPicPr>
-          <p:nvPr userDrawn="1"/>
-        </p:nvPicPr>
-        <p:blipFill>
-          <a:blip r:embed="rId2">
-            <a:lum bright="70000" contrast="-70000"/>
-          </a:blip>
-          <a:stretch>
-            <a:fillRect/>
-          </a:stretch>
-        </p:blipFill>
-        <p:spPr>
-          <a:xfrm>
-            <a:off x="8639175" y="142875"/>
-            <a:ext cx="3413506" cy="3390900"/>
-          </a:xfrm>
-          <a:prstGeom prst="rect">
-            <a:avLst/>
-          </a:prstGeom>
-        </p:spPr>
-      </p:pic>
       <p:sp>
         <p:nvSpPr>
           <p:cNvPr id="2" name="Title 1"/>
@@ -2672,7 +2682,7 @@
           <a:lstStyle/>
           <a:p>
             <a:r>
-              <a:rPr lang="ru-RU" dirty="0" smtClean="0"/>
+              <a:rPr lang="ru-RU" smtClean="0"/>
               <a:t>Образец заголовка</a:t>
             </a:r>
             <a:endParaRPr lang="en-US" dirty="0"/>
@@ -2696,7 +2706,7 @@
           <a:p>
             <a:fld id="{B1426371-1E0C-4915-B4EE-A801ADC909DC}" type="datetime1">
               <a:rPr lang="ru-RU" smtClean="0"/>
-              <a:t>01.06.2017</a:t>
+              <a:t>21.07.2017</a:t>
             </a:fld>
             <a:endParaRPr lang="ru-RU"/>
           </a:p>
@@ -2751,6 +2761,36 @@
       <p:cxnSp>
         <p:nvCxnSpPr>
           <p:cNvPr id="7" name="Прямая соединительная линия 6"/>
+          <p:cNvCxnSpPr/>
+          <p:nvPr/>
+        </p:nvCxnSpPr>
+        <p:spPr>
+          <a:xfrm>
+            <a:off x="1200150" y="1737362"/>
+            <a:ext cx="9853613" cy="0"/>
+          </a:xfrm>
+          <a:prstGeom prst="line">
+            <a:avLst/>
+          </a:prstGeom>
+        </p:spPr>
+        <p:style>
+          <a:lnRef idx="1">
+            <a:schemeClr val="dk1"/>
+          </a:lnRef>
+          <a:fillRef idx="0">
+            <a:schemeClr val="dk1"/>
+          </a:fillRef>
+          <a:effectRef idx="0">
+            <a:schemeClr val="dk1"/>
+          </a:effectRef>
+          <a:fontRef idx="minor">
+            <a:schemeClr val="tx1"/>
+          </a:fontRef>
+        </p:style>
+      </p:cxnSp>
+      <p:cxnSp>
+        <p:nvCxnSpPr>
+          <p:cNvPr id="9" name="Прямая соединительная линия 8"/>
           <p:cNvCxnSpPr/>
           <p:nvPr userDrawn="1"/>
         </p:nvCxnSpPr>
@@ -2781,7 +2821,7 @@
     </p:spTree>
     <p:extLst>
       <p:ext uri="{BB962C8B-B14F-4D97-AF65-F5344CB8AC3E}">
-        <p14:creationId xmlns:p14="http://schemas.microsoft.com/office/powerpoint/2010/main" val="1085259994"/>
+        <p14:creationId xmlns:p14="http://schemas.microsoft.com/office/powerpoint/2010/main" val="502889076"/>
       </p:ext>
     </p:extLst>
   </p:cSld>
@@ -2901,7 +2941,7 @@
           <a:p>
             <a:fld id="{B7C8E689-13F7-4FFE-B667-944804B0645C}" type="datetime1">
               <a:rPr lang="ru-RU" smtClean="0"/>
-              <a:t>01.06.2017</a:t>
+              <a:t>21.07.2017</a:t>
             </a:fld>
             <a:endParaRPr lang="ru-RU"/>
           </a:p>
@@ -2963,15 +3003,19 @@
       </p:sp>
       <p:pic>
         <p:nvPicPr>
-          <p:cNvPr id="10" name="Рисунок 9"/>
+          <p:cNvPr id="4" name="Рисунок 3"/>
           <p:cNvPicPr>
             <a:picLocks noChangeAspect="1"/>
           </p:cNvPicPr>
-          <p:nvPr userDrawn="1"/>
+          <p:nvPr/>
         </p:nvPicPr>
         <p:blipFill>
-          <a:blip r:embed="rId2">
-            <a:lum bright="70000" contrast="-70000"/>
+          <a:blip r:embed="rId2" cstate="print">
+            <a:extLst>
+              <a:ext uri="{28A0092B-C50C-407E-A947-70E740481C1C}">
+                <a14:useLocalDpi xmlns:a14="http://schemas.microsoft.com/office/drawing/2010/main" val="0"/>
+              </a:ext>
+            </a:extLst>
           </a:blip>
           <a:stretch>
             <a:fillRect/>
@@ -2979,8 +3023,8 @@
         </p:blipFill>
         <p:spPr>
           <a:xfrm>
-            <a:off x="8639175" y="142875"/>
-            <a:ext cx="3413506" cy="3390900"/>
+            <a:off x="9594989" y="0"/>
+            <a:ext cx="2593853" cy="2642621"/>
           </a:xfrm>
           <a:prstGeom prst="rect">
             <a:avLst/>
@@ -2990,7 +3034,7 @@
     </p:spTree>
     <p:extLst>
       <p:ext uri="{BB962C8B-B14F-4D97-AF65-F5344CB8AC3E}">
-        <p14:creationId xmlns:p14="http://schemas.microsoft.com/office/powerpoint/2010/main" val="1108517829"/>
+        <p14:creationId xmlns:p14="http://schemas.microsoft.com/office/powerpoint/2010/main" val="2921625263"/>
       </p:ext>
     </p:extLst>
   </p:cSld>
@@ -3285,7 +3329,7 @@
           <a:p>
             <a:fld id="{ACFACCC0-6D5D-4785-B6B7-35DF44636DFD}" type="datetime1">
               <a:rPr lang="ru-RU" smtClean="0"/>
-              <a:t>01.06.2017</a:t>
+              <a:t>21.07.2017</a:t>
             </a:fld>
             <a:endParaRPr lang="ru-RU"/>
           </a:p>
@@ -3361,7 +3405,7 @@
     </p:spTree>
     <p:extLst>
       <p:ext uri="{BB962C8B-B14F-4D97-AF65-F5344CB8AC3E}">
-        <p14:creationId xmlns:p14="http://schemas.microsoft.com/office/powerpoint/2010/main" val="3722080938"/>
+        <p14:creationId xmlns:p14="http://schemas.microsoft.com/office/powerpoint/2010/main" val="3480535031"/>
       </p:ext>
     </p:extLst>
   </p:cSld>
@@ -3666,7 +3710,7 @@
           <a:p>
             <a:fld id="{EB7061E8-6EFA-4E31-AC80-6E026CF73F87}" type="datetime1">
               <a:rPr lang="ru-RU" smtClean="0"/>
-              <a:t>01.06.2017</a:t>
+              <a:t>21.07.2017</a:t>
             </a:fld>
             <a:endParaRPr lang="ru-RU"/>
           </a:p>
@@ -3721,7 +3765,7 @@
     </p:spTree>
     <p:extLst>
       <p:ext uri="{BB962C8B-B14F-4D97-AF65-F5344CB8AC3E}">
-        <p14:creationId xmlns:p14="http://schemas.microsoft.com/office/powerpoint/2010/main" val="3120954354"/>
+        <p14:creationId xmlns:p14="http://schemas.microsoft.com/office/powerpoint/2010/main" val="3063430629"/>
       </p:ext>
     </p:extLst>
   </p:cSld>
@@ -3753,37 +3797,11 @@
           <a:chExt cx="0" cy="0"/>
         </a:xfrm>
       </p:grpSpPr>
-      <p:pic>
-        <p:nvPicPr>
-          <p:cNvPr id="11" name="Рисунок 10"/>
-          <p:cNvPicPr>
-            <a:picLocks noChangeAspect="1"/>
-          </p:cNvPicPr>
-          <p:nvPr userDrawn="1"/>
-        </p:nvPicPr>
-        <p:blipFill>
-          <a:blip r:embed="rId14">
-            <a:lum bright="70000" contrast="-70000"/>
-          </a:blip>
-          <a:stretch>
-            <a:fillRect/>
-          </a:stretch>
-        </p:blipFill>
-        <p:spPr>
-          <a:xfrm>
-            <a:off x="10556472" y="54186"/>
-            <a:ext cx="1585303" cy="1574804"/>
-          </a:xfrm>
-          <a:prstGeom prst="rect">
-            <a:avLst/>
-          </a:prstGeom>
-        </p:spPr>
-      </p:pic>
       <p:cxnSp>
         <p:nvCxnSpPr>
           <p:cNvPr id="12" name="Прямая соединительная линия 11"/>
           <p:cNvCxnSpPr/>
-          <p:nvPr userDrawn="1"/>
+          <p:nvPr/>
         </p:nvCxnSpPr>
         <p:spPr>
           <a:xfrm>
@@ -4013,7 +4031,7 @@
           <a:p>
             <a:fld id="{D10F3229-BFBE-4C16-87FD-D4779939919A}" type="datetime1">
               <a:rPr lang="ru-RU" smtClean="0"/>
-              <a:t>01.06.2017</a:t>
+              <a:t>21.07.2017</a:t>
             </a:fld>
             <a:endParaRPr lang="ru-RU"/>
           </a:p>
@@ -4135,27 +4153,87 @@
           </a:fontRef>
         </p:style>
       </p:cxnSp>
+      <p:pic>
+        <p:nvPicPr>
+          <p:cNvPr id="16" name="Рисунок 15"/>
+          <p:cNvPicPr>
+            <a:picLocks noChangeAspect="1"/>
+          </p:cNvPicPr>
+          <p:nvPr/>
+        </p:nvPicPr>
+        <p:blipFill>
+          <a:blip r:embed="rId14" cstate="print">
+            <a:extLst>
+              <a:ext uri="{28A0092B-C50C-407E-A947-70E740481C1C}">
+                <a14:useLocalDpi xmlns:a14="http://schemas.microsoft.com/office/drawing/2010/main" val="0"/>
+              </a:ext>
+            </a:extLst>
+          </a:blip>
+          <a:stretch>
+            <a:fillRect/>
+          </a:stretch>
+        </p:blipFill>
+        <p:spPr>
+          <a:xfrm>
+            <a:off x="10340064" y="-165977"/>
+            <a:ext cx="2079399" cy="2118495"/>
+          </a:xfrm>
+          <a:prstGeom prst="rect">
+            <a:avLst/>
+          </a:prstGeom>
+        </p:spPr>
+      </p:pic>
+      <p:cxnSp>
+        <p:nvCxnSpPr>
+          <p:cNvPr id="14" name="Прямая соединительная линия 13"/>
+          <p:cNvCxnSpPr/>
+          <p:nvPr userDrawn="1"/>
+        </p:nvCxnSpPr>
+        <p:spPr>
+          <a:xfrm>
+            <a:off x="1200150" y="1737362"/>
+            <a:ext cx="9853613" cy="0"/>
+          </a:xfrm>
+          <a:prstGeom prst="line">
+            <a:avLst/>
+          </a:prstGeom>
+        </p:spPr>
+        <p:style>
+          <a:lnRef idx="1">
+            <a:schemeClr val="dk1"/>
+          </a:lnRef>
+          <a:fillRef idx="0">
+            <a:schemeClr val="dk1"/>
+          </a:fillRef>
+          <a:effectRef idx="0">
+            <a:schemeClr val="dk1"/>
+          </a:effectRef>
+          <a:fontRef idx="minor">
+            <a:schemeClr val="tx1"/>
+          </a:fontRef>
+        </p:style>
+      </p:cxnSp>
     </p:spTree>
     <p:extLst>
       <p:ext uri="{BB962C8B-B14F-4D97-AF65-F5344CB8AC3E}">
-        <p14:creationId xmlns:p14="http://schemas.microsoft.com/office/powerpoint/2010/main" val="2651511043"/>
+        <p14:creationId xmlns:p14="http://schemas.microsoft.com/office/powerpoint/2010/main" val="686261938"/>
       </p:ext>
     </p:extLst>
   </p:cSld>
   <p:clrMap bg1="lt1" tx1="dk1" bg2="lt2" tx2="dk2" accent1="accent1" accent2="accent2" accent3="accent3" accent4="accent4" accent5="accent5" accent6="accent6" hlink="hlink" folHlink="folHlink"/>
   <p:sldLayoutIdLst>
-    <p:sldLayoutId id="2147483661" r:id="rId1"/>
-    <p:sldLayoutId id="2147483662" r:id="rId2"/>
-    <p:sldLayoutId id="2147483663" r:id="rId3"/>
-    <p:sldLayoutId id="2147483664" r:id="rId4"/>
-    <p:sldLayoutId id="2147483665" r:id="rId5"/>
-    <p:sldLayoutId id="2147483666" r:id="rId6"/>
-    <p:sldLayoutId id="2147483667" r:id="rId7"/>
-    <p:sldLayoutId id="2147483668" r:id="rId8"/>
-    <p:sldLayoutId id="2147483669" r:id="rId9"/>
-    <p:sldLayoutId id="2147483670" r:id="rId10"/>
-    <p:sldLayoutId id="2147483671" r:id="rId11"/>
-    <p:sldLayoutId id="2147483672" r:id="rId12"/>
+    <p:sldLayoutId id="2147483674" r:id="rId1"/>
+    <p:sldLayoutId id="2147483675" r:id="rId2"/>
+    <p:sldLayoutId id="2147483676" r:id="rId3"/>
+    <p:sldLayoutId id="2147483677" r:id="rId4"/>
+    <p:sldLayoutId id="2147483678" r:id="rId5"/>
+    <p:sldLayoutId id="2147483679" r:id="rId6"/>
+    <p:sldLayoutId id="2147483680" r:id="rId7"/>
+    <p:sldLayoutId id="2147483681" r:id="rId8"/>
+    <p:sldLayoutId id="2147483682" r:id="rId9"/>
+    <p:sldLayoutId id="2147483683" r:id="rId10"/>
+    <p:sldLayoutId id="2147483684" r:id="rId11"/>
+    <p:sldLayoutId id="2147483685" r:id="rId12"/>
   </p:sldLayoutIdLst>
   <p:hf hdr="0" dt="0"/>
   <p:txStyles>
@@ -4543,30 +4621,6 @@
           <a:chExt cx="0" cy="0"/>
         </a:xfrm>
       </p:grpSpPr>
-      <p:pic>
-        <p:nvPicPr>
-          <p:cNvPr id="7" name="Рисунок 6"/>
-          <p:cNvPicPr>
-            <a:picLocks noChangeAspect="1"/>
-          </p:cNvPicPr>
-          <p:nvPr/>
-        </p:nvPicPr>
-        <p:blipFill>
-          <a:blip r:embed="rId2"/>
-          <a:stretch>
-            <a:fillRect/>
-          </a:stretch>
-        </p:blipFill>
-        <p:spPr>
-          <a:xfrm>
-            <a:off x="8639175" y="142875"/>
-            <a:ext cx="3413506" cy="3390900"/>
-          </a:xfrm>
-          <a:prstGeom prst="rect">
-            <a:avLst/>
-          </a:prstGeom>
-        </p:spPr>
-      </p:pic>
       <p:sp>
         <p:nvSpPr>
           <p:cNvPr id="2" name="Заголовок 1"/>
@@ -4714,6 +4768,52 @@
               <a:t>существует специальный материал для создания вакуума:</a:t>
             </a:r>
             <a:endParaRPr lang="ru-RU" dirty="0"/>
+          </a:p>
+        </p:txBody>
+      </p:sp>
+      <p:sp>
+        <p:nvSpPr>
+          <p:cNvPr id="14" name="Нижний колонтитул 13"/>
+          <p:cNvSpPr>
+            <a:spLocks noGrp="1"/>
+          </p:cNvSpPr>
+          <p:nvPr>
+            <p:ph type="ftr" sz="quarter" idx="11"/>
+          </p:nvPr>
+        </p:nvSpPr>
+        <p:spPr/>
+        <p:txBody>
+          <a:bodyPr/>
+          <a:lstStyle/>
+          <a:p>
+            <a:r>
+              <a:rPr lang="ru-RU" smtClean="0"/>
+              <a:t>Кафедра 24. "Компьютерный практикум по прикладной ядерной физике: Geant4"</a:t>
+            </a:r>
+            <a:endParaRPr lang="ru-RU"/>
+          </a:p>
+        </p:txBody>
+      </p:sp>
+      <p:sp>
+        <p:nvSpPr>
+          <p:cNvPr id="15" name="Номер слайда 14"/>
+          <p:cNvSpPr>
+            <a:spLocks noGrp="1"/>
+          </p:cNvSpPr>
+          <p:nvPr>
+            <p:ph type="sldNum" sz="quarter" idx="12"/>
+          </p:nvPr>
+        </p:nvSpPr>
+        <p:spPr/>
+        <p:txBody>
+          <a:bodyPr/>
+          <a:lstStyle/>
+          <a:p>
+            <a:fld id="{5EEF3390-9182-4B10-BF7D-BB7D61E9A6A1}" type="slidenum">
+              <a:rPr lang="ru-RU" smtClean="0"/>
+              <a:t>10</a:t>
+            </a:fld>
+            <a:endParaRPr lang="ru-RU"/>
           </a:p>
         </p:txBody>
       </p:sp>
@@ -5099,52 +5199,6 @@
           </a:p>
         </p:txBody>
       </p:sp>
-      <p:sp>
-        <p:nvSpPr>
-          <p:cNvPr id="14" name="Нижний колонтитул 13"/>
-          <p:cNvSpPr>
-            <a:spLocks noGrp="1"/>
-          </p:cNvSpPr>
-          <p:nvPr>
-            <p:ph type="ftr" sz="quarter" idx="11"/>
-          </p:nvPr>
-        </p:nvSpPr>
-        <p:spPr/>
-        <p:txBody>
-          <a:bodyPr/>
-          <a:lstStyle/>
-          <a:p>
-            <a:r>
-              <a:rPr lang="ru-RU" smtClean="0"/>
-              <a:t>Кафедра 24. "Компьютерный практикум по прикладной ядерной физике: Geant4"</a:t>
-            </a:r>
-            <a:endParaRPr lang="ru-RU"/>
-          </a:p>
-        </p:txBody>
-      </p:sp>
-      <p:sp>
-        <p:nvSpPr>
-          <p:cNvPr id="15" name="Номер слайда 14"/>
-          <p:cNvSpPr>
-            <a:spLocks noGrp="1"/>
-          </p:cNvSpPr>
-          <p:nvPr>
-            <p:ph type="sldNum" sz="quarter" idx="12"/>
-          </p:nvPr>
-        </p:nvSpPr>
-        <p:spPr/>
-        <p:txBody>
-          <a:bodyPr/>
-          <a:lstStyle/>
-          <a:p>
-            <a:fld id="{5EEF3390-9182-4B10-BF7D-BB7D61E9A6A1}" type="slidenum">
-              <a:rPr lang="ru-RU" smtClean="0"/>
-              <a:t>10</a:t>
-            </a:fld>
-            <a:endParaRPr lang="ru-RU"/>
-          </a:p>
-        </p:txBody>
-      </p:sp>
     </p:spTree>
     <p:extLst>
       <p:ext uri="{BB962C8B-B14F-4D97-AF65-F5344CB8AC3E}">
@@ -5306,6 +5360,52 @@
           </a:p>
         </p:txBody>
       </p:sp>
+      <p:sp>
+        <p:nvSpPr>
+          <p:cNvPr id="9" name="Нижний колонтитул 8"/>
+          <p:cNvSpPr>
+            <a:spLocks noGrp="1"/>
+          </p:cNvSpPr>
+          <p:nvPr>
+            <p:ph type="ftr" sz="quarter" idx="11"/>
+          </p:nvPr>
+        </p:nvSpPr>
+        <p:spPr/>
+        <p:txBody>
+          <a:bodyPr/>
+          <a:lstStyle/>
+          <a:p>
+            <a:r>
+              <a:rPr lang="ru-RU" smtClean="0"/>
+              <a:t>Кафедра 24. "Компьютерный практикум по прикладной ядерной физике: Geant4"</a:t>
+            </a:r>
+            <a:endParaRPr lang="ru-RU"/>
+          </a:p>
+        </p:txBody>
+      </p:sp>
+      <p:sp>
+        <p:nvSpPr>
+          <p:cNvPr id="10" name="Номер слайда 9"/>
+          <p:cNvSpPr>
+            <a:spLocks noGrp="1"/>
+          </p:cNvSpPr>
+          <p:nvPr>
+            <p:ph type="sldNum" sz="quarter" idx="12"/>
+          </p:nvPr>
+        </p:nvSpPr>
+        <p:spPr/>
+        <p:txBody>
+          <a:bodyPr/>
+          <a:lstStyle/>
+          <a:p>
+            <a:fld id="{5EEF3390-9182-4B10-BF7D-BB7D61E9A6A1}" type="slidenum">
+              <a:rPr lang="ru-RU" smtClean="0"/>
+              <a:t>11</a:t>
+            </a:fld>
+            <a:endParaRPr lang="ru-RU"/>
+          </a:p>
+        </p:txBody>
+      </p:sp>
       <p:pic>
         <p:nvPicPr>
           <p:cNvPr id="5" name="Рисунок 4"/>
@@ -5633,52 +5733,6 @@
           </a:prstGeom>
         </p:spPr>
       </p:pic>
-      <p:sp>
-        <p:nvSpPr>
-          <p:cNvPr id="9" name="Нижний колонтитул 8"/>
-          <p:cNvSpPr>
-            <a:spLocks noGrp="1"/>
-          </p:cNvSpPr>
-          <p:nvPr>
-            <p:ph type="ftr" sz="quarter" idx="11"/>
-          </p:nvPr>
-        </p:nvSpPr>
-        <p:spPr/>
-        <p:txBody>
-          <a:bodyPr/>
-          <a:lstStyle/>
-          <a:p>
-            <a:r>
-              <a:rPr lang="ru-RU" smtClean="0"/>
-              <a:t>Кафедра 24. "Компьютерный практикум по прикладной ядерной физике: Geant4"</a:t>
-            </a:r>
-            <a:endParaRPr lang="ru-RU"/>
-          </a:p>
-        </p:txBody>
-      </p:sp>
-      <p:sp>
-        <p:nvSpPr>
-          <p:cNvPr id="10" name="Номер слайда 9"/>
-          <p:cNvSpPr>
-            <a:spLocks noGrp="1"/>
-          </p:cNvSpPr>
-          <p:nvPr>
-            <p:ph type="sldNum" sz="quarter" idx="12"/>
-          </p:nvPr>
-        </p:nvSpPr>
-        <p:spPr/>
-        <p:txBody>
-          <a:bodyPr/>
-          <a:lstStyle/>
-          <a:p>
-            <a:fld id="{5EEF3390-9182-4B10-BF7D-BB7D61E9A6A1}" type="slidenum">
-              <a:rPr lang="ru-RU" smtClean="0"/>
-              <a:t>11</a:t>
-            </a:fld>
-            <a:endParaRPr lang="ru-RU"/>
-          </a:p>
-        </p:txBody>
-      </p:sp>
     </p:spTree>
     <p:extLst>
       <p:ext uri="{BB962C8B-B14F-4D97-AF65-F5344CB8AC3E}">
@@ -5779,6 +5833,52 @@
               <a:t> из созданных ранее изотопов. Конструктор элемента:</a:t>
             </a:r>
             <a:endParaRPr lang="ru-RU" dirty="0"/>
+          </a:p>
+        </p:txBody>
+      </p:sp>
+      <p:sp>
+        <p:nvSpPr>
+          <p:cNvPr id="16" name="Нижний колонтитул 15"/>
+          <p:cNvSpPr>
+            <a:spLocks noGrp="1"/>
+          </p:cNvSpPr>
+          <p:nvPr>
+            <p:ph type="ftr" sz="quarter" idx="11"/>
+          </p:nvPr>
+        </p:nvSpPr>
+        <p:spPr/>
+        <p:txBody>
+          <a:bodyPr/>
+          <a:lstStyle/>
+          <a:p>
+            <a:r>
+              <a:rPr lang="ru-RU" smtClean="0"/>
+              <a:t>Кафедра 24. "Компьютерный практикум по прикладной ядерной физике: Geant4"</a:t>
+            </a:r>
+            <a:endParaRPr lang="ru-RU"/>
+          </a:p>
+        </p:txBody>
+      </p:sp>
+      <p:sp>
+        <p:nvSpPr>
+          <p:cNvPr id="17" name="Номер слайда 16"/>
+          <p:cNvSpPr>
+            <a:spLocks noGrp="1"/>
+          </p:cNvSpPr>
+          <p:nvPr>
+            <p:ph type="sldNum" sz="quarter" idx="12"/>
+          </p:nvPr>
+        </p:nvSpPr>
+        <p:spPr/>
+        <p:txBody>
+          <a:bodyPr/>
+          <a:lstStyle/>
+          <a:p>
+            <a:fld id="{5EEF3390-9182-4B10-BF7D-BB7D61E9A6A1}" type="slidenum">
+              <a:rPr lang="ru-RU" smtClean="0"/>
+              <a:t>12</a:t>
+            </a:fld>
+            <a:endParaRPr lang="ru-RU"/>
           </a:p>
         </p:txBody>
       </p:sp>
@@ -6715,52 +6815,6 @@
           </a:p>
         </p:txBody>
       </p:sp>
-      <p:sp>
-        <p:nvSpPr>
-          <p:cNvPr id="16" name="Нижний колонтитул 15"/>
-          <p:cNvSpPr>
-            <a:spLocks noGrp="1"/>
-          </p:cNvSpPr>
-          <p:nvPr>
-            <p:ph type="ftr" sz="quarter" idx="11"/>
-          </p:nvPr>
-        </p:nvSpPr>
-        <p:spPr/>
-        <p:txBody>
-          <a:bodyPr/>
-          <a:lstStyle/>
-          <a:p>
-            <a:r>
-              <a:rPr lang="ru-RU" smtClean="0"/>
-              <a:t>Кафедра 24. "Компьютерный практикум по прикладной ядерной физике: Geant4"</a:t>
-            </a:r>
-            <a:endParaRPr lang="ru-RU"/>
-          </a:p>
-        </p:txBody>
-      </p:sp>
-      <p:sp>
-        <p:nvSpPr>
-          <p:cNvPr id="17" name="Номер слайда 16"/>
-          <p:cNvSpPr>
-            <a:spLocks noGrp="1"/>
-          </p:cNvSpPr>
-          <p:nvPr>
-            <p:ph type="sldNum" sz="quarter" idx="12"/>
-          </p:nvPr>
-        </p:nvSpPr>
-        <p:spPr/>
-        <p:txBody>
-          <a:bodyPr/>
-          <a:lstStyle/>
-          <a:p>
-            <a:fld id="{5EEF3390-9182-4B10-BF7D-BB7D61E9A6A1}" type="slidenum">
-              <a:rPr lang="ru-RU" smtClean="0"/>
-              <a:t>12</a:t>
-            </a:fld>
-            <a:endParaRPr lang="ru-RU"/>
-          </a:p>
-        </p:txBody>
-      </p:sp>
     </p:spTree>
     <p:extLst>
       <p:ext uri="{BB962C8B-B14F-4D97-AF65-F5344CB8AC3E}">
@@ -6847,6 +6901,52 @@
               <a:t>Создадим материал используя следующий конструктор:</a:t>
             </a:r>
             <a:endParaRPr lang="ru-RU" dirty="0"/>
+          </a:p>
+        </p:txBody>
+      </p:sp>
+      <p:sp>
+        <p:nvSpPr>
+          <p:cNvPr id="10" name="Нижний колонтитул 9"/>
+          <p:cNvSpPr>
+            <a:spLocks noGrp="1"/>
+          </p:cNvSpPr>
+          <p:nvPr>
+            <p:ph type="ftr" sz="quarter" idx="11"/>
+          </p:nvPr>
+        </p:nvSpPr>
+        <p:spPr/>
+        <p:txBody>
+          <a:bodyPr/>
+          <a:lstStyle/>
+          <a:p>
+            <a:r>
+              <a:rPr lang="ru-RU" smtClean="0"/>
+              <a:t>Кафедра 24. "Компьютерный практикум по прикладной ядерной физике: Geant4"</a:t>
+            </a:r>
+            <a:endParaRPr lang="ru-RU"/>
+          </a:p>
+        </p:txBody>
+      </p:sp>
+      <p:sp>
+        <p:nvSpPr>
+          <p:cNvPr id="11" name="Номер слайда 10"/>
+          <p:cNvSpPr>
+            <a:spLocks noGrp="1"/>
+          </p:cNvSpPr>
+          <p:nvPr>
+            <p:ph type="sldNum" sz="quarter" idx="12"/>
+          </p:nvPr>
+        </p:nvSpPr>
+        <p:spPr/>
+        <p:txBody>
+          <a:bodyPr/>
+          <a:lstStyle/>
+          <a:p>
+            <a:fld id="{5EEF3390-9182-4B10-BF7D-BB7D61E9A6A1}" type="slidenum">
+              <a:rPr lang="ru-RU" smtClean="0"/>
+              <a:t>13</a:t>
+            </a:fld>
+            <a:endParaRPr lang="ru-RU"/>
           </a:p>
         </p:txBody>
       </p:sp>
@@ -7432,52 +7532,6 @@
           </a:graphicData>
         </a:graphic>
       </p:graphicFrame>
-      <p:sp>
-        <p:nvSpPr>
-          <p:cNvPr id="10" name="Нижний колонтитул 9"/>
-          <p:cNvSpPr>
-            <a:spLocks noGrp="1"/>
-          </p:cNvSpPr>
-          <p:nvPr>
-            <p:ph type="ftr" sz="quarter" idx="11"/>
-          </p:nvPr>
-        </p:nvSpPr>
-        <p:spPr/>
-        <p:txBody>
-          <a:bodyPr/>
-          <a:lstStyle/>
-          <a:p>
-            <a:r>
-              <a:rPr lang="ru-RU" smtClean="0"/>
-              <a:t>Кафедра 24. "Компьютерный практикум по прикладной ядерной физике: Geant4"</a:t>
-            </a:r>
-            <a:endParaRPr lang="ru-RU"/>
-          </a:p>
-        </p:txBody>
-      </p:sp>
-      <p:sp>
-        <p:nvSpPr>
-          <p:cNvPr id="11" name="Номер слайда 10"/>
-          <p:cNvSpPr>
-            <a:spLocks noGrp="1"/>
-          </p:cNvSpPr>
-          <p:nvPr>
-            <p:ph type="sldNum" sz="quarter" idx="12"/>
-          </p:nvPr>
-        </p:nvSpPr>
-        <p:spPr/>
-        <p:txBody>
-          <a:bodyPr/>
-          <a:lstStyle/>
-          <a:p>
-            <a:fld id="{5EEF3390-9182-4B10-BF7D-BB7D61E9A6A1}" type="slidenum">
-              <a:rPr lang="ru-RU" smtClean="0"/>
-              <a:t>13</a:t>
-            </a:fld>
-            <a:endParaRPr lang="ru-RU"/>
-          </a:p>
-        </p:txBody>
-      </p:sp>
     </p:spTree>
     <p:extLst>
       <p:ext uri="{BB962C8B-B14F-4D97-AF65-F5344CB8AC3E}">
@@ -7537,6 +7591,52 @@
       </p:sp>
       <p:sp>
         <p:nvSpPr>
+          <p:cNvPr id="11" name="Нижний колонтитул 10"/>
+          <p:cNvSpPr>
+            <a:spLocks noGrp="1"/>
+          </p:cNvSpPr>
+          <p:nvPr>
+            <p:ph type="ftr" sz="quarter" idx="11"/>
+          </p:nvPr>
+        </p:nvSpPr>
+        <p:spPr/>
+        <p:txBody>
+          <a:bodyPr/>
+          <a:lstStyle/>
+          <a:p>
+            <a:r>
+              <a:rPr lang="ru-RU" smtClean="0"/>
+              <a:t>Кафедра 24. "Компьютерный практикум по прикладной ядерной физике: Geant4"</a:t>
+            </a:r>
+            <a:endParaRPr lang="ru-RU"/>
+          </a:p>
+        </p:txBody>
+      </p:sp>
+      <p:sp>
+        <p:nvSpPr>
+          <p:cNvPr id="12" name="Номер слайда 11"/>
+          <p:cNvSpPr>
+            <a:spLocks noGrp="1"/>
+          </p:cNvSpPr>
+          <p:nvPr>
+            <p:ph type="sldNum" sz="quarter" idx="12"/>
+          </p:nvPr>
+        </p:nvSpPr>
+        <p:spPr/>
+        <p:txBody>
+          <a:bodyPr/>
+          <a:lstStyle/>
+          <a:p>
+            <a:fld id="{5EEF3390-9182-4B10-BF7D-BB7D61E9A6A1}" type="slidenum">
+              <a:rPr lang="ru-RU" smtClean="0"/>
+              <a:t>14</a:t>
+            </a:fld>
+            <a:endParaRPr lang="ru-RU"/>
+          </a:p>
+        </p:txBody>
+      </p:sp>
+      <p:sp>
+        <p:nvSpPr>
           <p:cNvPr id="8" name="Объект 2"/>
           <p:cNvSpPr txBox="1">
             <a:spLocks/>
@@ -8114,52 +8214,6 @@
               <a:t>Примечание: если не указывать температуру и давление, то будут заданы нормальные условия</a:t>
             </a:r>
             <a:endParaRPr lang="ru-RU" sz="1800" i="1" dirty="0"/>
-          </a:p>
-        </p:txBody>
-      </p:sp>
-      <p:sp>
-        <p:nvSpPr>
-          <p:cNvPr id="11" name="Нижний колонтитул 10"/>
-          <p:cNvSpPr>
-            <a:spLocks noGrp="1"/>
-          </p:cNvSpPr>
-          <p:nvPr>
-            <p:ph type="ftr" sz="quarter" idx="11"/>
-          </p:nvPr>
-        </p:nvSpPr>
-        <p:spPr/>
-        <p:txBody>
-          <a:bodyPr/>
-          <a:lstStyle/>
-          <a:p>
-            <a:r>
-              <a:rPr lang="ru-RU" smtClean="0"/>
-              <a:t>Кафедра 24. "Компьютерный практикум по прикладной ядерной физике: Geant4"</a:t>
-            </a:r>
-            <a:endParaRPr lang="ru-RU"/>
-          </a:p>
-        </p:txBody>
-      </p:sp>
-      <p:sp>
-        <p:nvSpPr>
-          <p:cNvPr id="12" name="Номер слайда 11"/>
-          <p:cNvSpPr>
-            <a:spLocks noGrp="1"/>
-          </p:cNvSpPr>
-          <p:nvPr>
-            <p:ph type="sldNum" sz="quarter" idx="12"/>
-          </p:nvPr>
-        </p:nvSpPr>
-        <p:spPr/>
-        <p:txBody>
-          <a:bodyPr/>
-          <a:lstStyle/>
-          <a:p>
-            <a:fld id="{5EEF3390-9182-4B10-BF7D-BB7D61E9A6A1}" type="slidenum">
-              <a:rPr lang="ru-RU" smtClean="0"/>
-              <a:t>14</a:t>
-            </a:fld>
-            <a:endParaRPr lang="ru-RU"/>
           </a:p>
         </p:txBody>
       </p:sp>
@@ -8248,6 +8302,52 @@
           </a:p>
         </p:txBody>
       </p:sp>
+      <p:sp>
+        <p:nvSpPr>
+          <p:cNvPr id="6" name="Нижний колонтитул 5"/>
+          <p:cNvSpPr>
+            <a:spLocks noGrp="1"/>
+          </p:cNvSpPr>
+          <p:nvPr>
+            <p:ph type="ftr" sz="quarter" idx="11"/>
+          </p:nvPr>
+        </p:nvSpPr>
+        <p:spPr/>
+        <p:txBody>
+          <a:bodyPr/>
+          <a:lstStyle/>
+          <a:p>
+            <a:r>
+              <a:rPr lang="ru-RU" smtClean="0"/>
+              <a:t>Кафедра 24. "Компьютерный практикум по прикладной ядерной физике: Geant4"</a:t>
+            </a:r>
+            <a:endParaRPr lang="ru-RU"/>
+          </a:p>
+        </p:txBody>
+      </p:sp>
+      <p:sp>
+        <p:nvSpPr>
+          <p:cNvPr id="7" name="Номер слайда 6"/>
+          <p:cNvSpPr>
+            <a:spLocks noGrp="1"/>
+          </p:cNvSpPr>
+          <p:nvPr>
+            <p:ph type="sldNum" sz="quarter" idx="12"/>
+          </p:nvPr>
+        </p:nvSpPr>
+        <p:spPr/>
+        <p:txBody>
+          <a:bodyPr/>
+          <a:lstStyle/>
+          <a:p>
+            <a:fld id="{5EEF3390-9182-4B10-BF7D-BB7D61E9A6A1}" type="slidenum">
+              <a:rPr lang="ru-RU" smtClean="0"/>
+              <a:t>15</a:t>
+            </a:fld>
+            <a:endParaRPr lang="ru-RU"/>
+          </a:p>
+        </p:txBody>
+      </p:sp>
       <p:pic>
         <p:nvPicPr>
           <p:cNvPr id="5" name="Рисунок 4"/>
@@ -8272,52 +8372,6 @@
           </a:prstGeom>
         </p:spPr>
       </p:pic>
-      <p:sp>
-        <p:nvSpPr>
-          <p:cNvPr id="6" name="Нижний колонтитул 5"/>
-          <p:cNvSpPr>
-            <a:spLocks noGrp="1"/>
-          </p:cNvSpPr>
-          <p:nvPr>
-            <p:ph type="ftr" sz="quarter" idx="11"/>
-          </p:nvPr>
-        </p:nvSpPr>
-        <p:spPr/>
-        <p:txBody>
-          <a:bodyPr/>
-          <a:lstStyle/>
-          <a:p>
-            <a:r>
-              <a:rPr lang="ru-RU" smtClean="0"/>
-              <a:t>Кафедра 24. "Компьютерный практикум по прикладной ядерной физике: Geant4"</a:t>
-            </a:r>
-            <a:endParaRPr lang="ru-RU"/>
-          </a:p>
-        </p:txBody>
-      </p:sp>
-      <p:sp>
-        <p:nvSpPr>
-          <p:cNvPr id="7" name="Номер слайда 6"/>
-          <p:cNvSpPr>
-            <a:spLocks noGrp="1"/>
-          </p:cNvSpPr>
-          <p:nvPr>
-            <p:ph type="sldNum" sz="quarter" idx="12"/>
-          </p:nvPr>
-        </p:nvSpPr>
-        <p:spPr/>
-        <p:txBody>
-          <a:bodyPr/>
-          <a:lstStyle/>
-          <a:p>
-            <a:fld id="{5EEF3390-9182-4B10-BF7D-BB7D61E9A6A1}" type="slidenum">
-              <a:rPr lang="ru-RU" smtClean="0"/>
-              <a:t>15</a:t>
-            </a:fld>
-            <a:endParaRPr lang="ru-RU"/>
-          </a:p>
-        </p:txBody>
-      </p:sp>
     </p:spTree>
     <p:extLst>
       <p:ext uri="{BB962C8B-B14F-4D97-AF65-F5344CB8AC3E}">
@@ -8623,15 +8677,7 @@
             </a:r>
             <a:r>
               <a:rPr lang="ru-RU" dirty="0" smtClean="0"/>
-              <a:t>. Материалы </a:t>
-            </a:r>
-            <a:r>
-              <a:rPr lang="ru-RU" dirty="0" smtClean="0"/>
-              <a:t>должны </a:t>
-            </a:r>
-            <a:r>
-              <a:rPr lang="ru-RU" dirty="0" smtClean="0"/>
-              <a:t>содержать минимум </a:t>
+              <a:t>. Материалы должны содержать минимум </a:t>
             </a:r>
             <a:r>
               <a:rPr lang="ru-RU" b="1" dirty="0" smtClean="0">
@@ -8645,13 +8691,55 @@
             </a:r>
             <a:r>
               <a:rPr lang="ru-RU" dirty="0" smtClean="0"/>
-              <a:t> </a:t>
-            </a:r>
-            <a:r>
-              <a:rPr lang="ru-RU" dirty="0" smtClean="0"/>
-              <a:t>компонент. </a:t>
+              <a:t> компонент. </a:t>
             </a:r>
             <a:endParaRPr lang="ru-RU" dirty="0"/>
+          </a:p>
+        </p:txBody>
+      </p:sp>
+      <p:sp>
+        <p:nvSpPr>
+          <p:cNvPr id="9" name="Нижний колонтитул 8"/>
+          <p:cNvSpPr>
+            <a:spLocks noGrp="1"/>
+          </p:cNvSpPr>
+          <p:nvPr>
+            <p:ph type="ftr" sz="quarter" idx="11"/>
+          </p:nvPr>
+        </p:nvSpPr>
+        <p:spPr/>
+        <p:txBody>
+          <a:bodyPr/>
+          <a:lstStyle/>
+          <a:p>
+            <a:r>
+              <a:rPr lang="ru-RU" smtClean="0"/>
+              <a:t>Кафедра 24. "Компьютерный практикум по прикладной ядерной физике: Geant4"</a:t>
+            </a:r>
+            <a:endParaRPr lang="ru-RU"/>
+          </a:p>
+        </p:txBody>
+      </p:sp>
+      <p:sp>
+        <p:nvSpPr>
+          <p:cNvPr id="10" name="Номер слайда 9"/>
+          <p:cNvSpPr>
+            <a:spLocks noGrp="1"/>
+          </p:cNvSpPr>
+          <p:nvPr>
+            <p:ph type="sldNum" sz="quarter" idx="12"/>
+          </p:nvPr>
+        </p:nvSpPr>
+        <p:spPr/>
+        <p:txBody>
+          <a:bodyPr/>
+          <a:lstStyle/>
+          <a:p>
+            <a:fld id="{5EEF3390-9182-4B10-BF7D-BB7D61E9A6A1}" type="slidenum">
+              <a:rPr lang="ru-RU" smtClean="0"/>
+              <a:t>3</a:t>
+            </a:fld>
+            <a:endParaRPr lang="ru-RU"/>
           </a:p>
         </p:txBody>
       </p:sp>
@@ -9901,52 +9989,6 @@
           </a:fontRef>
         </p:style>
       </p:cxnSp>
-      <p:sp>
-        <p:nvSpPr>
-          <p:cNvPr id="9" name="Нижний колонтитул 8"/>
-          <p:cNvSpPr>
-            <a:spLocks noGrp="1"/>
-          </p:cNvSpPr>
-          <p:nvPr>
-            <p:ph type="ftr" sz="quarter" idx="11"/>
-          </p:nvPr>
-        </p:nvSpPr>
-        <p:spPr/>
-        <p:txBody>
-          <a:bodyPr/>
-          <a:lstStyle/>
-          <a:p>
-            <a:r>
-              <a:rPr lang="ru-RU" smtClean="0"/>
-              <a:t>Кафедра 24. "Компьютерный практикум по прикладной ядерной физике: Geant4"</a:t>
-            </a:r>
-            <a:endParaRPr lang="ru-RU"/>
-          </a:p>
-        </p:txBody>
-      </p:sp>
-      <p:sp>
-        <p:nvSpPr>
-          <p:cNvPr id="10" name="Номер слайда 9"/>
-          <p:cNvSpPr>
-            <a:spLocks noGrp="1"/>
-          </p:cNvSpPr>
-          <p:nvPr>
-            <p:ph type="sldNum" sz="quarter" idx="12"/>
-          </p:nvPr>
-        </p:nvSpPr>
-        <p:spPr/>
-        <p:txBody>
-          <a:bodyPr/>
-          <a:lstStyle/>
-          <a:p>
-            <a:fld id="{5EEF3390-9182-4B10-BF7D-BB7D61E9A6A1}" type="slidenum">
-              <a:rPr lang="ru-RU" smtClean="0"/>
-              <a:t>3</a:t>
-            </a:fld>
-            <a:endParaRPr lang="ru-RU"/>
-          </a:p>
-        </p:txBody>
-      </p:sp>
     </p:spTree>
     <p:extLst>
       <p:ext uri="{BB962C8B-B14F-4D97-AF65-F5344CB8AC3E}">
@@ -10101,6 +10143,52 @@
               <a:buChar char="q"/>
             </a:pPr>
             <a:endParaRPr lang="ru-RU" dirty="0"/>
+          </a:p>
+        </p:txBody>
+      </p:sp>
+      <p:sp>
+        <p:nvSpPr>
+          <p:cNvPr id="4" name="Нижний колонтитул 3"/>
+          <p:cNvSpPr>
+            <a:spLocks noGrp="1"/>
+          </p:cNvSpPr>
+          <p:nvPr>
+            <p:ph type="ftr" sz="quarter" idx="11"/>
+          </p:nvPr>
+        </p:nvSpPr>
+        <p:spPr/>
+        <p:txBody>
+          <a:bodyPr/>
+          <a:lstStyle/>
+          <a:p>
+            <a:r>
+              <a:rPr lang="ru-RU" smtClean="0"/>
+              <a:t>Кафедра 24. "Компьютерный практикум по прикладной ядерной физике: Geant4"</a:t>
+            </a:r>
+            <a:endParaRPr lang="ru-RU"/>
+          </a:p>
+        </p:txBody>
+      </p:sp>
+      <p:sp>
+        <p:nvSpPr>
+          <p:cNvPr id="5" name="Номер слайда 4"/>
+          <p:cNvSpPr>
+            <a:spLocks noGrp="1"/>
+          </p:cNvSpPr>
+          <p:nvPr>
+            <p:ph type="sldNum" sz="quarter" idx="12"/>
+          </p:nvPr>
+        </p:nvSpPr>
+        <p:spPr/>
+        <p:txBody>
+          <a:bodyPr/>
+          <a:lstStyle/>
+          <a:p>
+            <a:fld id="{5EEF3390-9182-4B10-BF7D-BB7D61E9A6A1}" type="slidenum">
+              <a:rPr lang="ru-RU" smtClean="0"/>
+              <a:t>4</a:t>
+            </a:fld>
+            <a:endParaRPr lang="ru-RU"/>
           </a:p>
         </p:txBody>
       </p:sp>
@@ -10145,52 +10233,6 @@
           </a:extLst>
         </p:spPr>
       </p:pic>
-      <p:sp>
-        <p:nvSpPr>
-          <p:cNvPr id="4" name="Нижний колонтитул 3"/>
-          <p:cNvSpPr>
-            <a:spLocks noGrp="1"/>
-          </p:cNvSpPr>
-          <p:nvPr>
-            <p:ph type="ftr" sz="quarter" idx="11"/>
-          </p:nvPr>
-        </p:nvSpPr>
-        <p:spPr/>
-        <p:txBody>
-          <a:bodyPr/>
-          <a:lstStyle/>
-          <a:p>
-            <a:r>
-              <a:rPr lang="ru-RU" smtClean="0"/>
-              <a:t>Кафедра 24. "Компьютерный практикум по прикладной ядерной физике: Geant4"</a:t>
-            </a:r>
-            <a:endParaRPr lang="ru-RU"/>
-          </a:p>
-        </p:txBody>
-      </p:sp>
-      <p:sp>
-        <p:nvSpPr>
-          <p:cNvPr id="5" name="Номер слайда 4"/>
-          <p:cNvSpPr>
-            <a:spLocks noGrp="1"/>
-          </p:cNvSpPr>
-          <p:nvPr>
-            <p:ph type="sldNum" sz="quarter" idx="12"/>
-          </p:nvPr>
-        </p:nvSpPr>
-        <p:spPr/>
-        <p:txBody>
-          <a:bodyPr/>
-          <a:lstStyle/>
-          <a:p>
-            <a:fld id="{5EEF3390-9182-4B10-BF7D-BB7D61E9A6A1}" type="slidenum">
-              <a:rPr lang="ru-RU" smtClean="0"/>
-              <a:t>4</a:t>
-            </a:fld>
-            <a:endParaRPr lang="ru-RU"/>
-          </a:p>
-        </p:txBody>
-      </p:sp>
     </p:spTree>
     <p:extLst>
       <p:ext uri="{BB962C8B-B14F-4D97-AF65-F5344CB8AC3E}">
@@ -10353,15 +10395,7 @@
             </a:pPr>
             <a:r>
               <a:rPr lang="ru-RU" dirty="0" smtClean="0"/>
-              <a:t>Ткань, эквивалентная </a:t>
-            </a:r>
-            <a:r>
-              <a:rPr lang="ru-RU" dirty="0" smtClean="0"/>
-              <a:t>пластику; </a:t>
-            </a:r>
-            <a:r>
-              <a:rPr lang="ru-RU" dirty="0" smtClean="0"/>
-              <a:t>морской воздух и т.д.</a:t>
+              <a:t>Ткань, эквивалентная пластику; морской воздух и т.д.</a:t>
             </a:r>
           </a:p>
           <a:p>
@@ -10595,6 +10629,52 @@
           </a:p>
         </p:txBody>
       </p:sp>
+      <p:sp>
+        <p:nvSpPr>
+          <p:cNvPr id="6" name="Нижний колонтитул 5"/>
+          <p:cNvSpPr>
+            <a:spLocks noGrp="1"/>
+          </p:cNvSpPr>
+          <p:nvPr>
+            <p:ph type="ftr" sz="quarter" idx="11"/>
+          </p:nvPr>
+        </p:nvSpPr>
+        <p:spPr/>
+        <p:txBody>
+          <a:bodyPr/>
+          <a:lstStyle/>
+          <a:p>
+            <a:r>
+              <a:rPr lang="ru-RU" smtClean="0"/>
+              <a:t>Кафедра 24. "Компьютерный практикум по прикладной ядерной физике: Geant4"</a:t>
+            </a:r>
+            <a:endParaRPr lang="ru-RU"/>
+          </a:p>
+        </p:txBody>
+      </p:sp>
+      <p:sp>
+        <p:nvSpPr>
+          <p:cNvPr id="8" name="Номер слайда 7"/>
+          <p:cNvSpPr>
+            <a:spLocks noGrp="1"/>
+          </p:cNvSpPr>
+          <p:nvPr>
+            <p:ph type="sldNum" sz="quarter" idx="12"/>
+          </p:nvPr>
+        </p:nvSpPr>
+        <p:spPr/>
+        <p:txBody>
+          <a:bodyPr/>
+          <a:lstStyle/>
+          <a:p>
+            <a:fld id="{5EEF3390-9182-4B10-BF7D-BB7D61E9A6A1}" type="slidenum">
+              <a:rPr lang="ru-RU" smtClean="0"/>
+              <a:t>6</a:t>
+            </a:fld>
+            <a:endParaRPr lang="ru-RU"/>
+          </a:p>
+        </p:txBody>
+      </p:sp>
       <p:pic>
         <p:nvPicPr>
           <p:cNvPr id="4" name="Рисунок 3"/>
@@ -10963,52 +11043,6 @@
           </a:prstGeom>
         </p:spPr>
       </p:pic>
-      <p:sp>
-        <p:nvSpPr>
-          <p:cNvPr id="6" name="Нижний колонтитул 5"/>
-          <p:cNvSpPr>
-            <a:spLocks noGrp="1"/>
-          </p:cNvSpPr>
-          <p:nvPr>
-            <p:ph type="ftr" sz="quarter" idx="11"/>
-          </p:nvPr>
-        </p:nvSpPr>
-        <p:spPr/>
-        <p:txBody>
-          <a:bodyPr/>
-          <a:lstStyle/>
-          <a:p>
-            <a:r>
-              <a:rPr lang="ru-RU" smtClean="0"/>
-              <a:t>Кафедра 24. "Компьютерный практикум по прикладной ядерной физике: Geant4"</a:t>
-            </a:r>
-            <a:endParaRPr lang="ru-RU"/>
-          </a:p>
-        </p:txBody>
-      </p:sp>
-      <p:sp>
-        <p:nvSpPr>
-          <p:cNvPr id="8" name="Номер слайда 7"/>
-          <p:cNvSpPr>
-            <a:spLocks noGrp="1"/>
-          </p:cNvSpPr>
-          <p:nvPr>
-            <p:ph type="sldNum" sz="quarter" idx="12"/>
-          </p:nvPr>
-        </p:nvSpPr>
-        <p:spPr/>
-        <p:txBody>
-          <a:bodyPr/>
-          <a:lstStyle/>
-          <a:p>
-            <a:fld id="{5EEF3390-9182-4B10-BF7D-BB7D61E9A6A1}" type="slidenum">
-              <a:rPr lang="ru-RU" smtClean="0"/>
-              <a:t>6</a:t>
-            </a:fld>
-            <a:endParaRPr lang="ru-RU"/>
-          </a:p>
-        </p:txBody>
-      </p:sp>
     </p:spTree>
     <p:extLst>
       <p:ext uri="{BB962C8B-B14F-4D97-AF65-F5344CB8AC3E}">
@@ -11096,6 +11130,52 @@
               <a:t>так же строятся все входящие в его состав изотопы исходя из природного соотношения. К примеру, следующим образом можно получить доступ к изотопам в составе элемента по их индексу:</a:t>
             </a:r>
             <a:endParaRPr lang="ru-RU" dirty="0"/>
+          </a:p>
+        </p:txBody>
+      </p:sp>
+      <p:sp>
+        <p:nvSpPr>
+          <p:cNvPr id="4" name="Нижний колонтитул 3"/>
+          <p:cNvSpPr>
+            <a:spLocks noGrp="1"/>
+          </p:cNvSpPr>
+          <p:nvPr>
+            <p:ph type="ftr" sz="quarter" idx="11"/>
+          </p:nvPr>
+        </p:nvSpPr>
+        <p:spPr/>
+        <p:txBody>
+          <a:bodyPr/>
+          <a:lstStyle/>
+          <a:p>
+            <a:r>
+              <a:rPr lang="ru-RU" smtClean="0"/>
+              <a:t>Кафедра 24. "Компьютерный практикум по прикладной ядерной физике: Geant4"</a:t>
+            </a:r>
+            <a:endParaRPr lang="ru-RU"/>
+          </a:p>
+        </p:txBody>
+      </p:sp>
+      <p:sp>
+        <p:nvSpPr>
+          <p:cNvPr id="5" name="Номер слайда 4"/>
+          <p:cNvSpPr>
+            <a:spLocks noGrp="1"/>
+          </p:cNvSpPr>
+          <p:nvPr>
+            <p:ph type="sldNum" sz="quarter" idx="12"/>
+          </p:nvPr>
+        </p:nvSpPr>
+        <p:spPr/>
+        <p:txBody>
+          <a:bodyPr/>
+          <a:lstStyle/>
+          <a:p>
+            <a:fld id="{5EEF3390-9182-4B10-BF7D-BB7D61E9A6A1}" type="slidenum">
+              <a:rPr lang="ru-RU" smtClean="0"/>
+              <a:t>7</a:t>
+            </a:fld>
+            <a:endParaRPr lang="ru-RU"/>
           </a:p>
         </p:txBody>
       </p:sp>
@@ -11568,52 +11648,6 @@
           </a:p>
         </p:txBody>
       </p:sp>
-      <p:sp>
-        <p:nvSpPr>
-          <p:cNvPr id="4" name="Нижний колонтитул 3"/>
-          <p:cNvSpPr>
-            <a:spLocks noGrp="1"/>
-          </p:cNvSpPr>
-          <p:nvPr>
-            <p:ph type="ftr" sz="quarter" idx="11"/>
-          </p:nvPr>
-        </p:nvSpPr>
-        <p:spPr/>
-        <p:txBody>
-          <a:bodyPr/>
-          <a:lstStyle/>
-          <a:p>
-            <a:r>
-              <a:rPr lang="ru-RU" smtClean="0"/>
-              <a:t>Кафедра 24. "Компьютерный практикум по прикладной ядерной физике: Geant4"</a:t>
-            </a:r>
-            <a:endParaRPr lang="ru-RU"/>
-          </a:p>
-        </p:txBody>
-      </p:sp>
-      <p:sp>
-        <p:nvSpPr>
-          <p:cNvPr id="5" name="Номер слайда 4"/>
-          <p:cNvSpPr>
-            <a:spLocks noGrp="1"/>
-          </p:cNvSpPr>
-          <p:nvPr>
-            <p:ph type="sldNum" sz="quarter" idx="12"/>
-          </p:nvPr>
-        </p:nvSpPr>
-        <p:spPr/>
-        <p:txBody>
-          <a:bodyPr/>
-          <a:lstStyle/>
-          <a:p>
-            <a:fld id="{5EEF3390-9182-4B10-BF7D-BB7D61E9A6A1}" type="slidenum">
-              <a:rPr lang="ru-RU" smtClean="0"/>
-              <a:t>7</a:t>
-            </a:fld>
-            <a:endParaRPr lang="ru-RU"/>
-          </a:p>
-        </p:txBody>
-      </p:sp>
     </p:spTree>
     <p:extLst>
       <p:ext uri="{BB962C8B-B14F-4D97-AF65-F5344CB8AC3E}">
@@ -11747,6 +11781,52 @@
           </a:p>
         </p:txBody>
       </p:sp>
+      <p:sp>
+        <p:nvSpPr>
+          <p:cNvPr id="4" name="Нижний колонтитул 3"/>
+          <p:cNvSpPr>
+            <a:spLocks noGrp="1"/>
+          </p:cNvSpPr>
+          <p:nvPr>
+            <p:ph type="ftr" sz="quarter" idx="11"/>
+          </p:nvPr>
+        </p:nvSpPr>
+        <p:spPr/>
+        <p:txBody>
+          <a:bodyPr/>
+          <a:lstStyle/>
+          <a:p>
+            <a:r>
+              <a:rPr lang="ru-RU" smtClean="0"/>
+              <a:t>Кафедра 24. "Компьютерный практикум по прикладной ядерной физике: Geant4"</a:t>
+            </a:r>
+            <a:endParaRPr lang="ru-RU"/>
+          </a:p>
+        </p:txBody>
+      </p:sp>
+      <p:sp>
+        <p:nvSpPr>
+          <p:cNvPr id="5" name="Номер слайда 4"/>
+          <p:cNvSpPr>
+            <a:spLocks noGrp="1"/>
+          </p:cNvSpPr>
+          <p:nvPr>
+            <p:ph type="sldNum" sz="quarter" idx="12"/>
+          </p:nvPr>
+        </p:nvSpPr>
+        <p:spPr/>
+        <p:txBody>
+          <a:bodyPr/>
+          <a:lstStyle/>
+          <a:p>
+            <a:fld id="{5EEF3390-9182-4B10-BF7D-BB7D61E9A6A1}" type="slidenum">
+              <a:rPr lang="ru-RU" smtClean="0"/>
+              <a:t>8</a:t>
+            </a:fld>
+            <a:endParaRPr lang="ru-RU"/>
+          </a:p>
+        </p:txBody>
+      </p:sp>
       <p:pic>
         <p:nvPicPr>
           <p:cNvPr id="7" name="Рисунок 6"/>
@@ -12377,52 +12457,6 @@
           </a:prstGeom>
         </p:spPr>
       </p:pic>
-      <p:sp>
-        <p:nvSpPr>
-          <p:cNvPr id="4" name="Нижний колонтитул 3"/>
-          <p:cNvSpPr>
-            <a:spLocks noGrp="1"/>
-          </p:cNvSpPr>
-          <p:nvPr>
-            <p:ph type="ftr" sz="quarter" idx="11"/>
-          </p:nvPr>
-        </p:nvSpPr>
-        <p:spPr/>
-        <p:txBody>
-          <a:bodyPr/>
-          <a:lstStyle/>
-          <a:p>
-            <a:r>
-              <a:rPr lang="ru-RU" smtClean="0"/>
-              <a:t>Кафедра 24. "Компьютерный практикум по прикладной ядерной физике: Geant4"</a:t>
-            </a:r>
-            <a:endParaRPr lang="ru-RU"/>
-          </a:p>
-        </p:txBody>
-      </p:sp>
-      <p:sp>
-        <p:nvSpPr>
-          <p:cNvPr id="5" name="Номер слайда 4"/>
-          <p:cNvSpPr>
-            <a:spLocks noGrp="1"/>
-          </p:cNvSpPr>
-          <p:nvPr>
-            <p:ph type="sldNum" sz="quarter" idx="12"/>
-          </p:nvPr>
-        </p:nvSpPr>
-        <p:spPr/>
-        <p:txBody>
-          <a:bodyPr/>
-          <a:lstStyle/>
-          <a:p>
-            <a:fld id="{5EEF3390-9182-4B10-BF7D-BB7D61E9A6A1}" type="slidenum">
-              <a:rPr lang="ru-RU" smtClean="0"/>
-              <a:t>8</a:t>
-            </a:fld>
-            <a:endParaRPr lang="ru-RU"/>
-          </a:p>
-        </p:txBody>
-      </p:sp>
     </p:spTree>
     <p:extLst>
       <p:ext uri="{BB962C8B-B14F-4D97-AF65-F5344CB8AC3E}">
@@ -12516,6 +12550,52 @@
           </a:p>
         </p:txBody>
       </p:sp>
+      <p:sp>
+        <p:nvSpPr>
+          <p:cNvPr id="4" name="Нижний колонтитул 3"/>
+          <p:cNvSpPr>
+            <a:spLocks noGrp="1"/>
+          </p:cNvSpPr>
+          <p:nvPr>
+            <p:ph type="ftr" sz="quarter" idx="11"/>
+          </p:nvPr>
+        </p:nvSpPr>
+        <p:spPr/>
+        <p:txBody>
+          <a:bodyPr/>
+          <a:lstStyle/>
+          <a:p>
+            <a:r>
+              <a:rPr lang="ru-RU" smtClean="0"/>
+              <a:t>Кафедра 24. "Компьютерный практикум по прикладной ядерной физике: Geant4"</a:t>
+            </a:r>
+            <a:endParaRPr lang="ru-RU"/>
+          </a:p>
+        </p:txBody>
+      </p:sp>
+      <p:sp>
+        <p:nvSpPr>
+          <p:cNvPr id="8" name="Номер слайда 7"/>
+          <p:cNvSpPr>
+            <a:spLocks noGrp="1"/>
+          </p:cNvSpPr>
+          <p:nvPr>
+            <p:ph type="sldNum" sz="quarter" idx="12"/>
+          </p:nvPr>
+        </p:nvSpPr>
+        <p:spPr/>
+        <p:txBody>
+          <a:bodyPr/>
+          <a:lstStyle/>
+          <a:p>
+            <a:fld id="{5EEF3390-9182-4B10-BF7D-BB7D61E9A6A1}" type="slidenum">
+              <a:rPr lang="ru-RU" smtClean="0"/>
+              <a:t>9</a:t>
+            </a:fld>
+            <a:endParaRPr lang="ru-RU"/>
+          </a:p>
+        </p:txBody>
+      </p:sp>
       <p:pic>
         <p:nvPicPr>
           <p:cNvPr id="6" name="Рисунок 5"/>
@@ -12841,52 +12921,6 @@
           </a:prstGeom>
         </p:spPr>
       </p:pic>
-      <p:sp>
-        <p:nvSpPr>
-          <p:cNvPr id="4" name="Нижний колонтитул 3"/>
-          <p:cNvSpPr>
-            <a:spLocks noGrp="1"/>
-          </p:cNvSpPr>
-          <p:nvPr>
-            <p:ph type="ftr" sz="quarter" idx="11"/>
-          </p:nvPr>
-        </p:nvSpPr>
-        <p:spPr/>
-        <p:txBody>
-          <a:bodyPr/>
-          <a:lstStyle/>
-          <a:p>
-            <a:r>
-              <a:rPr lang="ru-RU" smtClean="0"/>
-              <a:t>Кафедра 24. "Компьютерный практикум по прикладной ядерной физике: Geant4"</a:t>
-            </a:r>
-            <a:endParaRPr lang="ru-RU"/>
-          </a:p>
-        </p:txBody>
-      </p:sp>
-      <p:sp>
-        <p:nvSpPr>
-          <p:cNvPr id="8" name="Номер слайда 7"/>
-          <p:cNvSpPr>
-            <a:spLocks noGrp="1"/>
-          </p:cNvSpPr>
-          <p:nvPr>
-            <p:ph type="sldNum" sz="quarter" idx="12"/>
-          </p:nvPr>
-        </p:nvSpPr>
-        <p:spPr/>
-        <p:txBody>
-          <a:bodyPr/>
-          <a:lstStyle/>
-          <a:p>
-            <a:fld id="{5EEF3390-9182-4B10-BF7D-BB7D61E9A6A1}" type="slidenum">
-              <a:rPr lang="ru-RU" smtClean="0"/>
-              <a:t>9</a:t>
-            </a:fld>
-            <a:endParaRPr lang="ru-RU"/>
-          </a:p>
-        </p:txBody>
-      </p:sp>
     </p:spTree>
     <p:extLst>
       <p:ext uri="{BB962C8B-B14F-4D97-AF65-F5344CB8AC3E}">
@@ -13177,7 +13211,7 @@
   <a:extraClrSchemeLst/>
   <a:extLst>
     <a:ext uri="{05A4C25C-085E-4340-85A3-A5531E510DB2}">
-      <thm15:themeFamily xmlns:thm15="http://schemas.microsoft.com/office/thememl/2012/main" name="Тема1" id="{72E6CAC1-46D0-4A95-B392-20521A13EC52}" vid="{C4CC90F4-4E10-405B-8C15-EA75E67FCAC8}"/>
+      <thm15:themeFamily xmlns:thm15="http://schemas.microsoft.com/office/thememl/2012/main" name="Тема1" id="{5BB4979D-64F3-4350-A0FB-77B4AA112ABA}" vid="{9ECF0165-2A38-4AFC-8A84-C27FBD5E703B}"/>
     </a:ext>
   </a:extLst>
 </a:theme>
